--- a/Docs/Hamiltonian Cycle Problem - Slides.pptx
+++ b/Docs/Hamiltonian Cycle Problem - Slides.pptx
@@ -8,15 +8,17 @@
     <p:sldId id="256" r:id="rId2"/>
     <p:sldId id="257" r:id="rId3"/>
     <p:sldId id="258" r:id="rId4"/>
-    <p:sldId id="259" r:id="rId5"/>
-    <p:sldId id="260" r:id="rId6"/>
-    <p:sldId id="261" r:id="rId7"/>
-    <p:sldId id="262" r:id="rId8"/>
-    <p:sldId id="263" r:id="rId9"/>
-    <p:sldId id="264" r:id="rId10"/>
-    <p:sldId id="265" r:id="rId11"/>
-    <p:sldId id="266" r:id="rId12"/>
-    <p:sldId id="267" r:id="rId13"/>
+    <p:sldId id="268" r:id="rId5"/>
+    <p:sldId id="259" r:id="rId6"/>
+    <p:sldId id="260" r:id="rId7"/>
+    <p:sldId id="269" r:id="rId8"/>
+    <p:sldId id="261" r:id="rId9"/>
+    <p:sldId id="262" r:id="rId10"/>
+    <p:sldId id="263" r:id="rId11"/>
+    <p:sldId id="264" r:id="rId12"/>
+    <p:sldId id="265" r:id="rId13"/>
+    <p:sldId id="266" r:id="rId14"/>
+    <p:sldId id="267" r:id="rId15"/>
   </p:sldIdLst>
   <p:sldSz cx="12192000" cy="6858000"/>
   <p:notesSz cx="6858000" cy="9144000"/>
@@ -115,6 +117,11 @@
       </a:defRPr>
     </a:lvl9pPr>
   </p:defaultTextStyle>
+  <p:extLst>
+    <p:ext uri="{EFAFB233-063F-42B5-8137-9DF3F51BA10A}">
+      <p15:sldGuideLst xmlns:p15="http://schemas.microsoft.com/office/powerpoint/2012/main"/>
+    </p:ext>
+  </p:extLst>
 </p:presentation>
 </file>
 
@@ -249,7 +256,7 @@
           <a:p>
             <a:fld id="{3D651845-B4D3-4922-A8A6-86D200EA8038}" type="datetimeFigureOut">
               <a:rPr lang="en-US" smtClean="0"/>
-              <a:t>4/13/2023</a:t>
+              <a:t>4/27/2023</a:t>
             </a:fld>
             <a:endParaRPr lang="en-US"/>
           </a:p>
@@ -419,7 +426,7 @@
           <a:p>
             <a:fld id="{3D651845-B4D3-4922-A8A6-86D200EA8038}" type="datetimeFigureOut">
               <a:rPr lang="en-US" smtClean="0"/>
-              <a:t>4/13/2023</a:t>
+              <a:t>4/27/2023</a:t>
             </a:fld>
             <a:endParaRPr lang="en-US"/>
           </a:p>
@@ -599,7 +606,7 @@
           <a:p>
             <a:fld id="{3D651845-B4D3-4922-A8A6-86D200EA8038}" type="datetimeFigureOut">
               <a:rPr lang="en-US" smtClean="0"/>
-              <a:t>4/13/2023</a:t>
+              <a:t>4/27/2023</a:t>
             </a:fld>
             <a:endParaRPr lang="en-US"/>
           </a:p>
@@ -769,7 +776,7 @@
           <a:p>
             <a:fld id="{3D651845-B4D3-4922-A8A6-86D200EA8038}" type="datetimeFigureOut">
               <a:rPr lang="en-US" smtClean="0"/>
-              <a:t>4/13/2023</a:t>
+              <a:t>4/27/2023</a:t>
             </a:fld>
             <a:endParaRPr lang="en-US"/>
           </a:p>
@@ -1015,7 +1022,7 @@
           <a:p>
             <a:fld id="{3D651845-B4D3-4922-A8A6-86D200EA8038}" type="datetimeFigureOut">
               <a:rPr lang="en-US" smtClean="0"/>
-              <a:t>4/13/2023</a:t>
+              <a:t>4/27/2023</a:t>
             </a:fld>
             <a:endParaRPr lang="en-US"/>
           </a:p>
@@ -1247,7 +1254,7 @@
           <a:p>
             <a:fld id="{3D651845-B4D3-4922-A8A6-86D200EA8038}" type="datetimeFigureOut">
               <a:rPr lang="en-US" smtClean="0"/>
-              <a:t>4/13/2023</a:t>
+              <a:t>4/27/2023</a:t>
             </a:fld>
             <a:endParaRPr lang="en-US"/>
           </a:p>
@@ -1614,7 +1621,7 @@
           <a:p>
             <a:fld id="{3D651845-B4D3-4922-A8A6-86D200EA8038}" type="datetimeFigureOut">
               <a:rPr lang="en-US" smtClean="0"/>
-              <a:t>4/13/2023</a:t>
+              <a:t>4/27/2023</a:t>
             </a:fld>
             <a:endParaRPr lang="en-US"/>
           </a:p>
@@ -1732,7 +1739,7 @@
           <a:p>
             <a:fld id="{3D651845-B4D3-4922-A8A6-86D200EA8038}" type="datetimeFigureOut">
               <a:rPr lang="en-US" smtClean="0"/>
-              <a:t>4/13/2023</a:t>
+              <a:t>4/27/2023</a:t>
             </a:fld>
             <a:endParaRPr lang="en-US"/>
           </a:p>
@@ -1827,7 +1834,7 @@
           <a:p>
             <a:fld id="{3D651845-B4D3-4922-A8A6-86D200EA8038}" type="datetimeFigureOut">
               <a:rPr lang="en-US" smtClean="0"/>
-              <a:t>4/13/2023</a:t>
+              <a:t>4/27/2023</a:t>
             </a:fld>
             <a:endParaRPr lang="en-US"/>
           </a:p>
@@ -2104,7 +2111,7 @@
           <a:p>
             <a:fld id="{3D651845-B4D3-4922-A8A6-86D200EA8038}" type="datetimeFigureOut">
               <a:rPr lang="en-US" smtClean="0"/>
-              <a:t>4/13/2023</a:t>
+              <a:t>4/27/2023</a:t>
             </a:fld>
             <a:endParaRPr lang="en-US"/>
           </a:p>
@@ -2361,7 +2368,7 @@
           <a:p>
             <a:fld id="{3D651845-B4D3-4922-A8A6-86D200EA8038}" type="datetimeFigureOut">
               <a:rPr lang="en-US" smtClean="0"/>
-              <a:t>4/13/2023</a:t>
+              <a:t>4/27/2023</a:t>
             </a:fld>
             <a:endParaRPr lang="en-US"/>
           </a:p>
@@ -2574,7 +2581,7 @@
           <a:p>
             <a:fld id="{3D651845-B4D3-4922-A8A6-86D200EA8038}" type="datetimeFigureOut">
               <a:rPr lang="en-US" smtClean="0"/>
-              <a:t>4/13/2023</a:t>
+              <a:t>4/27/2023</a:t>
             </a:fld>
             <a:endParaRPr lang="en-US"/>
           </a:p>
@@ -3270,25 +3277,7 @@
                 </a:solidFill>
                 <a:latin typeface="Assassin$" panose="02000000000000000000" pitchFamily="2" charset="0"/>
               </a:rPr>
-              <a:t>Comparison B</a:t>
-            </a:r>
-            <a:r>
-              <a:rPr lang="en-US" sz="4800" b="1" dirty="0">
-                <a:solidFill>
-                  <a:srgbClr val="FF0066"/>
-                </a:solidFill>
-                <a:latin typeface="Algerian" panose="04020705040A02060702" pitchFamily="82" charset="0"/>
-              </a:rPr>
-              <a:t>/</a:t>
-            </a:r>
-            <a:r>
-              <a:rPr lang="en-US" sz="4800" b="1" dirty="0">
-                <a:solidFill>
-                  <a:srgbClr val="FF0066"/>
-                </a:solidFill>
-                <a:latin typeface="Assassin$" panose="02000000000000000000" pitchFamily="2" charset="0"/>
-              </a:rPr>
-              <a:t>W Explored Algorithms</a:t>
+              <a:t>Heuristic Approach</a:t>
             </a:r>
             <a:endParaRPr lang="en-US" sz="5400" dirty="0">
               <a:solidFill>
@@ -3302,7 +3291,7 @@
     </p:spTree>
     <p:extLst>
       <p:ext uri="{BB962C8B-B14F-4D97-AF65-F5344CB8AC3E}">
-        <p14:creationId xmlns:p14="http://schemas.microsoft.com/office/powerpoint/2010/main" val="1499649481"/>
+        <p14:creationId xmlns:p14="http://schemas.microsoft.com/office/powerpoint/2010/main" val="2943498005"/>
       </p:ext>
     </p:extLst>
   </p:cSld>
@@ -3430,6 +3419,326 @@
                 </a:solidFill>
                 <a:latin typeface="Assassin$" panose="02000000000000000000" pitchFamily="2" charset="0"/>
               </a:rPr>
+              <a:t>Comparison B</a:t>
+            </a:r>
+            <a:r>
+              <a:rPr lang="en-US" sz="4800" b="1" dirty="0">
+                <a:solidFill>
+                  <a:srgbClr val="FF0066"/>
+                </a:solidFill>
+                <a:latin typeface="Algerian" panose="04020705040A02060702" pitchFamily="82" charset="0"/>
+              </a:rPr>
+              <a:t>/</a:t>
+            </a:r>
+            <a:r>
+              <a:rPr lang="en-US" sz="4800" b="1" dirty="0">
+                <a:solidFill>
+                  <a:srgbClr val="FF0066"/>
+                </a:solidFill>
+                <a:latin typeface="Assassin$" panose="02000000000000000000" pitchFamily="2" charset="0"/>
+              </a:rPr>
+              <a:t>W Explored Algorithms</a:t>
+            </a:r>
+            <a:endParaRPr lang="en-US" sz="5400" dirty="0">
+              <a:solidFill>
+                <a:srgbClr val="FF0066"/>
+              </a:solidFill>
+              <a:latin typeface="Assassin$" panose="02000000000000000000" pitchFamily="2" charset="0"/>
+            </a:endParaRPr>
+          </a:p>
+        </p:txBody>
+      </p:sp>
+    </p:spTree>
+    <p:extLst>
+      <p:ext uri="{BB962C8B-B14F-4D97-AF65-F5344CB8AC3E}">
+        <p14:creationId xmlns:p14="http://schemas.microsoft.com/office/powerpoint/2010/main" val="3600372778"/>
+      </p:ext>
+    </p:extLst>
+  </p:cSld>
+  <p:clrMapOvr>
+    <a:masterClrMapping/>
+  </p:clrMapOvr>
+</p:sld>
+</file>
+
+<file path=ppt/slides/slide12.xml><?xml version="1.0" encoding="utf-8"?>
+<p:sld xmlns:a="http://schemas.openxmlformats.org/drawingml/2006/main" xmlns:r="http://schemas.openxmlformats.org/officeDocument/2006/relationships" xmlns:p="http://schemas.openxmlformats.org/presentationml/2006/main">
+  <p:cSld>
+    <p:spTree>
+      <p:nvGrpSpPr>
+        <p:cNvPr id="1" name=""/>
+        <p:cNvGrpSpPr/>
+        <p:nvPr/>
+      </p:nvGrpSpPr>
+      <p:grpSpPr>
+        <a:xfrm>
+          <a:off x="0" y="0"/>
+          <a:ext cx="0" cy="0"/>
+          <a:chOff x="0" y="0"/>
+          <a:chExt cx="0" cy="0"/>
+        </a:xfrm>
+      </p:grpSpPr>
+      <p:sp>
+        <p:nvSpPr>
+          <p:cNvPr id="2" name="Title 1">
+            <a:extLst>
+              <a:ext uri="{FF2B5EF4-FFF2-40B4-BE49-F238E27FC236}">
+                <a16:creationId xmlns:a16="http://schemas.microsoft.com/office/drawing/2014/main" id="{36C73367-13D8-D1F3-29EB-B49B29BDEBE7}"/>
+              </a:ext>
+            </a:extLst>
+          </p:cNvPr>
+          <p:cNvSpPr>
+            <a:spLocks noGrp="1"/>
+          </p:cNvSpPr>
+          <p:nvPr>
+            <p:ph type="ctrTitle"/>
+          </p:nvPr>
+        </p:nvSpPr>
+        <p:spPr>
+          <a:xfrm>
+            <a:off x="0" y="0"/>
+            <a:ext cx="12192000" cy="859528"/>
+          </a:xfrm>
+        </p:spPr>
+        <p:txBody>
+          <a:bodyPr>
+            <a:normAutofit/>
+          </a:bodyPr>
+          <a:lstStyle/>
+          <a:p>
+            <a:r>
+              <a:rPr lang="en-US" sz="5400" b="1" dirty="0">
+                <a:solidFill>
+                  <a:srgbClr val="FF0066"/>
+                </a:solidFill>
+                <a:latin typeface="Assassin$" panose="02000000000000000000" pitchFamily="2" charset="0"/>
+              </a:rPr>
+              <a:t>Hamiltonian Cycle Problem</a:t>
+            </a:r>
+            <a:endParaRPr lang="en-US" dirty="0">
+              <a:solidFill>
+                <a:srgbClr val="FF0066"/>
+              </a:solidFill>
+              <a:latin typeface="Assassin$" panose="02000000000000000000" pitchFamily="2" charset="0"/>
+            </a:endParaRPr>
+          </a:p>
+        </p:txBody>
+      </p:sp>
+      <p:sp>
+        <p:nvSpPr>
+          <p:cNvPr id="5" name="Title 1">
+            <a:extLst>
+              <a:ext uri="{FF2B5EF4-FFF2-40B4-BE49-F238E27FC236}">
+                <a16:creationId xmlns:a16="http://schemas.microsoft.com/office/drawing/2014/main" id="{1EA23ABE-A70A-66DE-9119-53B29AC9C3FF}"/>
+              </a:ext>
+            </a:extLst>
+          </p:cNvPr>
+          <p:cNvSpPr txBox="1">
+            <a:spLocks/>
+          </p:cNvSpPr>
+          <p:nvPr/>
+        </p:nvSpPr>
+        <p:spPr>
+          <a:xfrm>
+            <a:off x="0" y="1098068"/>
+            <a:ext cx="12192000" cy="859528"/>
+          </a:xfrm>
+          <a:prstGeom prst="rect">
+            <a:avLst/>
+          </a:prstGeom>
+        </p:spPr>
+        <p:txBody>
+          <a:bodyPr vert="horz" lIns="91440" tIns="45720" rIns="91440" bIns="45720" rtlCol="0" anchor="b">
+            <a:normAutofit/>
+          </a:bodyPr>
+          <a:lstStyle>
+            <a:lvl1pPr algn="ctr" defTabSz="914400" rtl="0" eaLnBrk="1" latinLnBrk="0" hangingPunct="1">
+              <a:lnSpc>
+                <a:spcPct val="90000"/>
+              </a:lnSpc>
+              <a:spcBef>
+                <a:spcPct val="0"/>
+              </a:spcBef>
+              <a:buNone/>
+              <a:defRPr sz="6000" kern="1200">
+                <a:solidFill>
+                  <a:schemeClr val="tx1"/>
+                </a:solidFill>
+                <a:latin typeface="+mj-lt"/>
+                <a:ea typeface="+mj-ea"/>
+                <a:cs typeface="+mj-cs"/>
+              </a:defRPr>
+            </a:lvl1pPr>
+          </a:lstStyle>
+          <a:p>
+            <a:pPr algn="l"/>
+            <a:r>
+              <a:rPr lang="en-US" sz="4800" b="1" dirty="0">
+                <a:solidFill>
+                  <a:srgbClr val="FF0066"/>
+                </a:solidFill>
+                <a:latin typeface="Assassin$" panose="02000000000000000000" pitchFamily="2" charset="0"/>
+              </a:rPr>
+              <a:t>Comparison B</a:t>
+            </a:r>
+            <a:r>
+              <a:rPr lang="en-US" sz="4800" b="1" dirty="0">
+                <a:solidFill>
+                  <a:srgbClr val="FF0066"/>
+                </a:solidFill>
+                <a:latin typeface="Algerian" panose="04020705040A02060702" pitchFamily="82" charset="0"/>
+              </a:rPr>
+              <a:t>/</a:t>
+            </a:r>
+            <a:r>
+              <a:rPr lang="en-US" sz="4800" b="1" dirty="0">
+                <a:solidFill>
+                  <a:srgbClr val="FF0066"/>
+                </a:solidFill>
+                <a:latin typeface="Assassin$" panose="02000000000000000000" pitchFamily="2" charset="0"/>
+              </a:rPr>
+              <a:t>W Explored Algorithms</a:t>
+            </a:r>
+            <a:endParaRPr lang="en-US" sz="5400" dirty="0">
+              <a:solidFill>
+                <a:srgbClr val="FF0066"/>
+              </a:solidFill>
+              <a:latin typeface="Assassin$" panose="02000000000000000000" pitchFamily="2" charset="0"/>
+            </a:endParaRPr>
+          </a:p>
+        </p:txBody>
+      </p:sp>
+    </p:spTree>
+    <p:extLst>
+      <p:ext uri="{BB962C8B-B14F-4D97-AF65-F5344CB8AC3E}">
+        <p14:creationId xmlns:p14="http://schemas.microsoft.com/office/powerpoint/2010/main" val="1499649481"/>
+      </p:ext>
+    </p:extLst>
+  </p:cSld>
+  <p:clrMapOvr>
+    <a:masterClrMapping/>
+  </p:clrMapOvr>
+</p:sld>
+</file>
+
+<file path=ppt/slides/slide13.xml><?xml version="1.0" encoding="utf-8"?>
+<p:sld xmlns:a="http://schemas.openxmlformats.org/drawingml/2006/main" xmlns:r="http://schemas.openxmlformats.org/officeDocument/2006/relationships" xmlns:p="http://schemas.openxmlformats.org/presentationml/2006/main">
+  <p:cSld>
+    <p:spTree>
+      <p:nvGrpSpPr>
+        <p:cNvPr id="1" name=""/>
+        <p:cNvGrpSpPr/>
+        <p:nvPr/>
+      </p:nvGrpSpPr>
+      <p:grpSpPr>
+        <a:xfrm>
+          <a:off x="0" y="0"/>
+          <a:ext cx="0" cy="0"/>
+          <a:chOff x="0" y="0"/>
+          <a:chExt cx="0" cy="0"/>
+        </a:xfrm>
+      </p:grpSpPr>
+      <p:sp>
+        <p:nvSpPr>
+          <p:cNvPr id="2" name="Title 1">
+            <a:extLst>
+              <a:ext uri="{FF2B5EF4-FFF2-40B4-BE49-F238E27FC236}">
+                <a16:creationId xmlns:a16="http://schemas.microsoft.com/office/drawing/2014/main" id="{36C73367-13D8-D1F3-29EB-B49B29BDEBE7}"/>
+              </a:ext>
+            </a:extLst>
+          </p:cNvPr>
+          <p:cNvSpPr>
+            <a:spLocks noGrp="1"/>
+          </p:cNvSpPr>
+          <p:nvPr>
+            <p:ph type="ctrTitle"/>
+          </p:nvPr>
+        </p:nvSpPr>
+        <p:spPr>
+          <a:xfrm>
+            <a:off x="0" y="0"/>
+            <a:ext cx="12192000" cy="859528"/>
+          </a:xfrm>
+        </p:spPr>
+        <p:txBody>
+          <a:bodyPr>
+            <a:normAutofit/>
+          </a:bodyPr>
+          <a:lstStyle/>
+          <a:p>
+            <a:r>
+              <a:rPr lang="en-US" sz="5400" b="1" dirty="0">
+                <a:solidFill>
+                  <a:srgbClr val="FF0066"/>
+                </a:solidFill>
+                <a:latin typeface="Assassin$" panose="02000000000000000000" pitchFamily="2" charset="0"/>
+              </a:rPr>
+              <a:t>Hamiltonian Cycle Problem</a:t>
+            </a:r>
+            <a:endParaRPr lang="en-US" dirty="0">
+              <a:solidFill>
+                <a:srgbClr val="FF0066"/>
+              </a:solidFill>
+              <a:latin typeface="Assassin$" panose="02000000000000000000" pitchFamily="2" charset="0"/>
+            </a:endParaRPr>
+          </a:p>
+        </p:txBody>
+      </p:sp>
+      <p:sp>
+        <p:nvSpPr>
+          <p:cNvPr id="5" name="Title 1">
+            <a:extLst>
+              <a:ext uri="{FF2B5EF4-FFF2-40B4-BE49-F238E27FC236}">
+                <a16:creationId xmlns:a16="http://schemas.microsoft.com/office/drawing/2014/main" id="{1EA23ABE-A70A-66DE-9119-53B29AC9C3FF}"/>
+              </a:ext>
+            </a:extLst>
+          </p:cNvPr>
+          <p:cNvSpPr txBox="1">
+            <a:spLocks/>
+          </p:cNvSpPr>
+          <p:nvPr/>
+        </p:nvSpPr>
+        <p:spPr>
+          <a:xfrm>
+            <a:off x="0" y="1098068"/>
+            <a:ext cx="12192000" cy="859528"/>
+          </a:xfrm>
+          <a:prstGeom prst="rect">
+            <a:avLst/>
+          </a:prstGeom>
+        </p:spPr>
+        <p:txBody>
+          <a:bodyPr vert="horz" lIns="91440" tIns="45720" rIns="91440" bIns="45720" rtlCol="0" anchor="b">
+            <a:normAutofit/>
+          </a:bodyPr>
+          <a:lstStyle>
+            <a:lvl1pPr algn="ctr" defTabSz="914400" rtl="0" eaLnBrk="1" latinLnBrk="0" hangingPunct="1">
+              <a:lnSpc>
+                <a:spcPct val="90000"/>
+              </a:lnSpc>
+              <a:spcBef>
+                <a:spcPct val="0"/>
+              </a:spcBef>
+              <a:buNone/>
+              <a:defRPr sz="6000" kern="1200">
+                <a:solidFill>
+                  <a:schemeClr val="tx1"/>
+                </a:solidFill>
+                <a:latin typeface="+mj-lt"/>
+                <a:ea typeface="+mj-ea"/>
+                <a:cs typeface="+mj-cs"/>
+              </a:defRPr>
+            </a:lvl1pPr>
+          </a:lstStyle>
+          <a:p>
+            <a:pPr algn="l"/>
+            <a:r>
+              <a:rPr lang="en-US" sz="4800" b="1" dirty="0">
+                <a:solidFill>
+                  <a:srgbClr val="FF0066"/>
+                </a:solidFill>
+                <a:latin typeface="Assassin$" panose="02000000000000000000" pitchFamily="2" charset="0"/>
+              </a:rPr>
               <a:t>Conclusion</a:t>
             </a:r>
             <a:endParaRPr lang="en-US" sz="5400" dirty="0">
@@ -3454,7 +3763,7 @@
 </p:sld>
 </file>
 
-<file path=ppt/slides/slide12.xml><?xml version="1.0" encoding="utf-8"?>
+<file path=ppt/slides/slide14.xml><?xml version="1.0" encoding="utf-8"?>
 <p:sld xmlns:a="http://schemas.openxmlformats.org/drawingml/2006/main" xmlns:r="http://schemas.openxmlformats.org/officeDocument/2006/relationships" xmlns:p="http://schemas.openxmlformats.org/presentationml/2006/main">
   <p:cSld>
     <p:spTree>
@@ -3807,7 +4116,7 @@
                 </a:solidFill>
                 <a:latin typeface="Assassin$" panose="02000000000000000000" pitchFamily="2" charset="0"/>
               </a:rPr>
-              <a:t> Definition </a:t>
+              <a:t> Definition</a:t>
             </a:r>
             <a:endParaRPr lang="en-US" sz="5400" dirty="0">
               <a:solidFill>
@@ -3818,6 +4127,416 @@
           </a:p>
         </p:txBody>
       </p:sp>
+      <mc:AlternateContent xmlns:mc="http://schemas.openxmlformats.org/markup-compatibility/2006">
+        <mc:Choice xmlns:a14="http://schemas.microsoft.com/office/drawing/2010/main" Requires="a14">
+          <p:sp>
+            <p:nvSpPr>
+              <p:cNvPr id="3" name="TextBox 2">
+                <a:extLst>
+                  <a:ext uri="{FF2B5EF4-FFF2-40B4-BE49-F238E27FC236}">
+                    <a16:creationId xmlns:a16="http://schemas.microsoft.com/office/drawing/2014/main" id="{DF365158-019B-80D4-6362-1704B75BF975}"/>
+                  </a:ext>
+                </a:extLst>
+              </p:cNvPr>
+              <p:cNvSpPr txBox="1"/>
+              <p:nvPr/>
+            </p:nvSpPr>
+            <p:spPr>
+              <a:xfrm>
+                <a:off x="0" y="2196136"/>
+                <a:ext cx="12192000" cy="1815882"/>
+              </a:xfrm>
+              <a:prstGeom prst="rect">
+                <a:avLst/>
+              </a:prstGeom>
+              <a:noFill/>
+            </p:spPr>
+            <p:txBody>
+              <a:bodyPr wrap="square" rtlCol="0">
+                <a:spAutoFit/>
+              </a:bodyPr>
+              <a:lstStyle/>
+              <a:p>
+                <a:pPr marL="457200" indent="-457200">
+                  <a:buFontTx/>
+                  <a:buChar char="-"/>
+                </a:pPr>
+                <a:r>
+                  <a:rPr lang="en-US" sz="2800" dirty="0">
+                    <a:latin typeface="Candara" panose="020E0502030303020204" pitchFamily="34" charset="0"/>
+                  </a:rPr>
+                  <a:t>Given a graph </a:t>
+                </a:r>
+                <a14:m>
+                  <m:oMath xmlns:m="http://schemas.openxmlformats.org/officeDocument/2006/math">
+                    <m:r>
+                      <a:rPr lang="en-US" sz="2800" b="0" i="1" dirty="0" smtClean="0">
+                        <a:latin typeface="Cambria Math" panose="02040503050406030204" pitchFamily="18" charset="0"/>
+                      </a:rPr>
+                      <m:t>𝐺</m:t>
+                    </m:r>
+                    <m:r>
+                      <a:rPr lang="en-US" sz="2800" b="0" i="1" dirty="0" smtClean="0">
+                        <a:latin typeface="Cambria Math" panose="02040503050406030204" pitchFamily="18" charset="0"/>
+                      </a:rPr>
+                      <m:t>=</m:t>
+                    </m:r>
+                    <m:d>
+                      <m:dPr>
+                        <m:ctrlPr>
+                          <a:rPr lang="en-US" sz="2800" b="0" i="1" dirty="0" smtClean="0">
+                            <a:latin typeface="Cambria Math" panose="02040503050406030204" pitchFamily="18" charset="0"/>
+                          </a:rPr>
+                        </m:ctrlPr>
+                      </m:dPr>
+                      <m:e>
+                        <m:r>
+                          <a:rPr lang="en-US" sz="2800" b="0" i="1" dirty="0" smtClean="0">
+                            <a:latin typeface="Cambria Math" panose="02040503050406030204" pitchFamily="18" charset="0"/>
+                          </a:rPr>
+                          <m:t>𝑉</m:t>
+                        </m:r>
+                        <m:r>
+                          <a:rPr lang="en-US" sz="2800" b="0" i="1" dirty="0" smtClean="0">
+                            <a:latin typeface="Cambria Math" panose="02040503050406030204" pitchFamily="18" charset="0"/>
+                          </a:rPr>
+                          <m:t>, </m:t>
+                        </m:r>
+                        <m:r>
+                          <a:rPr lang="en-US" sz="2800" b="0" i="1" dirty="0" smtClean="0">
+                            <a:latin typeface="Cambria Math" panose="02040503050406030204" pitchFamily="18" charset="0"/>
+                          </a:rPr>
+                          <m:t>𝐸</m:t>
+                        </m:r>
+                      </m:e>
+                    </m:d>
+                  </m:oMath>
+                </a14:m>
+                <a:r>
+                  <a:rPr lang="en-US" sz="2800" dirty="0">
+                    <a:latin typeface="Candara" panose="020E0502030303020204" pitchFamily="34" charset="0"/>
+                  </a:rPr>
+                  <a:t>, find whether a Hamiltonian cycle exists or not. </a:t>
+                </a:r>
+              </a:p>
+              <a:p>
+                <a:pPr marL="457200" indent="-457200">
+                  <a:buFontTx/>
+                  <a:buChar char="-"/>
+                </a:pPr>
+                <a:endParaRPr lang="en-US" sz="2800" dirty="0">
+                  <a:latin typeface="Candara" panose="020E0502030303020204" pitchFamily="34" charset="0"/>
+                </a:endParaRPr>
+              </a:p>
+              <a:p>
+                <a:pPr marL="457200" indent="-457200">
+                  <a:buFontTx/>
+                  <a:buChar char="-"/>
+                </a:pPr>
+                <a:r>
+                  <a:rPr lang="en-US" sz="2800" dirty="0">
+                    <a:latin typeface="Candara" panose="020E0502030303020204" pitchFamily="34" charset="0"/>
+                  </a:rPr>
+                  <a:t>A Hamiltonian cycle is a sequence of vertices such that each vertex is visit exactly once and we return to the start vertex</a:t>
+                </a:r>
+              </a:p>
+            </p:txBody>
+          </p:sp>
+        </mc:Choice>
+        <mc:Fallback>
+          <p:sp>
+            <p:nvSpPr>
+              <p:cNvPr id="3" name="TextBox 2">
+                <a:extLst>
+                  <a:ext uri="{FF2B5EF4-FFF2-40B4-BE49-F238E27FC236}">
+                    <a16:creationId xmlns:a16="http://schemas.microsoft.com/office/drawing/2014/main" id="{DF365158-019B-80D4-6362-1704B75BF975}"/>
+                  </a:ext>
+                </a:extLst>
+              </p:cNvPr>
+              <p:cNvSpPr txBox="1">
+                <a:spLocks noRot="1" noChangeAspect="1" noMove="1" noResize="1" noEditPoints="1" noAdjustHandles="1" noChangeArrowheads="1" noChangeShapeType="1" noTextEdit="1"/>
+              </p:cNvSpPr>
+              <p:nvPr/>
+            </p:nvSpPr>
+            <p:spPr>
+              <a:xfrm>
+                <a:off x="0" y="2196136"/>
+                <a:ext cx="12192000" cy="1815882"/>
+              </a:xfrm>
+              <a:prstGeom prst="rect">
+                <a:avLst/>
+              </a:prstGeom>
+              <a:blipFill>
+                <a:blip r:embed="rId2"/>
+                <a:stretch>
+                  <a:fillRect l="-1050" t="-3356" b="-8725"/>
+                </a:stretch>
+              </a:blipFill>
+            </p:spPr>
+            <p:txBody>
+              <a:bodyPr/>
+              <a:lstStyle/>
+              <a:p>
+                <a:r>
+                  <a:rPr lang="en-US">
+                    <a:noFill/>
+                  </a:rPr>
+                  <a:t> </a:t>
+                </a:r>
+              </a:p>
+            </p:txBody>
+          </p:sp>
+        </mc:Fallback>
+      </mc:AlternateContent>
+      <mc:AlternateContent xmlns:mc="http://schemas.openxmlformats.org/markup-compatibility/2006">
+        <mc:Choice xmlns:a14="http://schemas.microsoft.com/office/drawing/2010/main" Requires="a14">
+          <p:sp>
+            <p:nvSpPr>
+              <p:cNvPr id="4" name="Title 1">
+                <a:extLst>
+                  <a:ext uri="{FF2B5EF4-FFF2-40B4-BE49-F238E27FC236}">
+                    <a16:creationId xmlns:a16="http://schemas.microsoft.com/office/drawing/2014/main" id="{7DB91727-E636-1A7A-DA79-A9C216243FCE}"/>
+                  </a:ext>
+                </a:extLst>
+              </p:cNvPr>
+              <p:cNvSpPr txBox="1">
+                <a:spLocks/>
+              </p:cNvSpPr>
+              <p:nvPr/>
+            </p:nvSpPr>
+            <p:spPr>
+              <a:xfrm>
+                <a:off x="0" y="4061637"/>
+                <a:ext cx="12192000" cy="2624085"/>
+              </a:xfrm>
+              <a:prstGeom prst="rect">
+                <a:avLst/>
+              </a:prstGeom>
+            </p:spPr>
+            <p:txBody>
+              <a:bodyPr vert="horz" lIns="91440" tIns="45720" rIns="91440" bIns="45720" rtlCol="0" anchor="b">
+                <a:normAutofit lnSpcReduction="10000"/>
+              </a:bodyPr>
+              <a:lstStyle>
+                <a:lvl1pPr algn="ctr" defTabSz="914400" rtl="0" eaLnBrk="1" latinLnBrk="0" hangingPunct="1">
+                  <a:lnSpc>
+                    <a:spcPct val="90000"/>
+                  </a:lnSpc>
+                  <a:spcBef>
+                    <a:spcPct val="0"/>
+                  </a:spcBef>
+                  <a:buNone/>
+                  <a:defRPr sz="6000" kern="1200">
+                    <a:solidFill>
+                      <a:schemeClr val="tx1"/>
+                    </a:solidFill>
+                    <a:latin typeface="+mj-lt"/>
+                    <a:ea typeface="+mj-ea"/>
+                    <a:cs typeface="+mj-cs"/>
+                  </a:defRPr>
+                </a:lvl1pPr>
+              </a:lstStyle>
+              <a:p>
+                <a:pPr algn="l"/>
+                <a:r>
+                  <a:rPr lang="en-US" sz="4400" b="1" dirty="0">
+                    <a:solidFill>
+                      <a:srgbClr val="FF0066"/>
+                    </a:solidFill>
+                    <a:latin typeface="Assassin$" panose="02000000000000000000" pitchFamily="2" charset="0"/>
+                  </a:rPr>
+                  <a:t>Input</a:t>
+                </a:r>
+                <a:r>
+                  <a:rPr lang="en-US" sz="4400" b="1" dirty="0">
+                    <a:solidFill>
+                      <a:srgbClr val="FF0066"/>
+                    </a:solidFill>
+                    <a:latin typeface="Candara" panose="020E0502030303020204" pitchFamily="34" charset="0"/>
+                  </a:rPr>
+                  <a:t>:</a:t>
+                </a:r>
+                <a:r>
+                  <a:rPr lang="en-US" sz="4400" dirty="0">
+                    <a:solidFill>
+                      <a:srgbClr val="FF0066"/>
+                    </a:solidFill>
+                    <a:latin typeface="Candara" panose="020E0502030303020204" pitchFamily="34" charset="0"/>
+                  </a:rPr>
+                  <a:t> </a:t>
+                </a:r>
+                <a:r>
+                  <a:rPr lang="en-US" sz="4400" dirty="0">
+                    <a:solidFill>
+                      <a:schemeClr val="tx1"/>
+                    </a:solidFill>
+                    <a:latin typeface="Candara" panose="020E0502030303020204" pitchFamily="34" charset="0"/>
+                  </a:rPr>
+                  <a:t>A Graph </a:t>
+                </a:r>
+                <a14:m>
+                  <m:oMath xmlns:m="http://schemas.openxmlformats.org/officeDocument/2006/math">
+                    <m:r>
+                      <a:rPr lang="en-US" sz="4400" b="0" i="1" smtClean="0">
+                        <a:solidFill>
+                          <a:schemeClr val="tx1"/>
+                        </a:solidFill>
+                        <a:latin typeface="Cambria Math" panose="02040503050406030204" pitchFamily="18" charset="0"/>
+                      </a:rPr>
+                      <m:t>𝐺</m:t>
+                    </m:r>
+                    <m:r>
+                      <a:rPr lang="en-US" sz="4400" b="0" i="1" smtClean="0">
+                        <a:solidFill>
+                          <a:schemeClr val="tx1"/>
+                        </a:solidFill>
+                        <a:latin typeface="Cambria Math" panose="02040503050406030204" pitchFamily="18" charset="0"/>
+                      </a:rPr>
+                      <m:t>=</m:t>
+                    </m:r>
+                    <m:d>
+                      <m:dPr>
+                        <m:ctrlPr>
+                          <a:rPr lang="en-US" sz="4400" i="1" smtClean="0">
+                            <a:solidFill>
+                              <a:schemeClr val="tx1"/>
+                            </a:solidFill>
+                            <a:latin typeface="Cambria Math" panose="02040503050406030204" pitchFamily="18" charset="0"/>
+                          </a:rPr>
+                        </m:ctrlPr>
+                      </m:dPr>
+                      <m:e>
+                        <m:r>
+                          <a:rPr lang="en-US" sz="4400" b="0" i="1" smtClean="0">
+                            <a:solidFill>
+                              <a:schemeClr val="tx1"/>
+                            </a:solidFill>
+                            <a:latin typeface="Cambria Math" panose="02040503050406030204" pitchFamily="18" charset="0"/>
+                          </a:rPr>
+                          <m:t>𝑉</m:t>
+                        </m:r>
+                        <m:r>
+                          <a:rPr lang="en-US" sz="4400" b="0" i="1" smtClean="0">
+                            <a:solidFill>
+                              <a:schemeClr val="tx1"/>
+                            </a:solidFill>
+                            <a:latin typeface="Cambria Math" panose="02040503050406030204" pitchFamily="18" charset="0"/>
+                          </a:rPr>
+                          <m:t>, </m:t>
+                        </m:r>
+                        <m:r>
+                          <a:rPr lang="en-US" sz="4400" b="0" i="1" smtClean="0">
+                            <a:solidFill>
+                              <a:schemeClr val="tx1"/>
+                            </a:solidFill>
+                            <a:latin typeface="Cambria Math" panose="02040503050406030204" pitchFamily="18" charset="0"/>
+                          </a:rPr>
+                          <m:t>𝐸</m:t>
+                        </m:r>
+                      </m:e>
+                    </m:d>
+                  </m:oMath>
+                </a14:m>
+                <a:endParaRPr lang="en-US" sz="4400" dirty="0">
+                  <a:solidFill>
+                    <a:schemeClr val="tx1"/>
+                  </a:solidFill>
+                  <a:latin typeface="Candara" panose="020E0502030303020204" pitchFamily="34" charset="0"/>
+                </a:endParaRPr>
+              </a:p>
+              <a:p>
+                <a:pPr algn="l"/>
+                <a:endParaRPr lang="en-US" sz="4800" dirty="0">
+                  <a:solidFill>
+                    <a:schemeClr val="tx1"/>
+                  </a:solidFill>
+                  <a:latin typeface="Candara" panose="020E0502030303020204" pitchFamily="34" charset="0"/>
+                </a:endParaRPr>
+              </a:p>
+              <a:p>
+                <a:pPr algn="l"/>
+                <a:r>
+                  <a:rPr lang="en-US" sz="4800" b="1" dirty="0">
+                    <a:solidFill>
+                      <a:srgbClr val="FF0066"/>
+                    </a:solidFill>
+                    <a:latin typeface="Assassin$" panose="02000000000000000000" pitchFamily="2" charset="0"/>
+                  </a:rPr>
+                  <a:t>Output</a:t>
+                </a:r>
+                <a:r>
+                  <a:rPr lang="en-US" sz="4800" b="1" dirty="0">
+                    <a:solidFill>
+                      <a:srgbClr val="FF0066"/>
+                    </a:solidFill>
+                    <a:latin typeface="Candara" panose="020E0502030303020204" pitchFamily="34" charset="0"/>
+                  </a:rPr>
+                  <a:t>:</a:t>
+                </a:r>
+                <a:r>
+                  <a:rPr lang="en-US" sz="4800" dirty="0">
+                    <a:solidFill>
+                      <a:srgbClr val="FF0066"/>
+                    </a:solidFill>
+                    <a:latin typeface="Candara" panose="020E0502030303020204" pitchFamily="34" charset="0"/>
+                  </a:rPr>
+                  <a:t> </a:t>
+                </a:r>
+                <a:r>
+                  <a:rPr lang="en-US" sz="4800" dirty="0">
+                    <a:latin typeface="Candara" panose="020E0502030303020204" pitchFamily="34" charset="0"/>
+                  </a:rPr>
+                  <a:t>A Boolean value indicating whether Hamiltonian Cycle is present or not.</a:t>
+                </a:r>
+              </a:p>
+            </p:txBody>
+          </p:sp>
+        </mc:Choice>
+        <mc:Fallback>
+          <p:sp>
+            <p:nvSpPr>
+              <p:cNvPr id="4" name="Title 1">
+                <a:extLst>
+                  <a:ext uri="{FF2B5EF4-FFF2-40B4-BE49-F238E27FC236}">
+                    <a16:creationId xmlns:a16="http://schemas.microsoft.com/office/drawing/2014/main" id="{7DB91727-E636-1A7A-DA79-A9C216243FCE}"/>
+                  </a:ext>
+                </a:extLst>
+              </p:cNvPr>
+              <p:cNvSpPr txBox="1">
+                <a:spLocks noRot="1" noChangeAspect="1" noMove="1" noResize="1" noEditPoints="1" noAdjustHandles="1" noChangeArrowheads="1" noChangeShapeType="1" noTextEdit="1"/>
+              </p:cNvSpPr>
+              <p:nvPr/>
+            </p:nvSpPr>
+            <p:spPr>
+              <a:xfrm>
+                <a:off x="0" y="4061637"/>
+                <a:ext cx="12192000" cy="2624085"/>
+              </a:xfrm>
+              <a:prstGeom prst="rect">
+                <a:avLst/>
+              </a:prstGeom>
+              <a:blipFill>
+                <a:blip r:embed="rId3"/>
+                <a:stretch>
+                  <a:fillRect l="-2250" t="-1856" b="-12297"/>
+                </a:stretch>
+              </a:blipFill>
+            </p:spPr>
+            <p:txBody>
+              <a:bodyPr/>
+              <a:lstStyle/>
+              <a:p>
+                <a:r>
+                  <a:rPr lang="en-US">
+                    <a:noFill/>
+                  </a:rPr>
+                  <a:t> </a:t>
+                </a:r>
+              </a:p>
+            </p:txBody>
+          </p:sp>
+        </mc:Fallback>
+      </mc:AlternateContent>
     </p:spTree>
     <p:extLst>
       <p:ext uri="{BB962C8B-B14F-4D97-AF65-F5344CB8AC3E}">
@@ -3978,6 +4697,599 @@
           </a:p>
         </p:txBody>
       </p:sp>
+      <p:sp>
+        <p:nvSpPr>
+          <p:cNvPr id="3" name="Oval 2">
+            <a:extLst>
+              <a:ext uri="{FF2B5EF4-FFF2-40B4-BE49-F238E27FC236}">
+                <a16:creationId xmlns:a16="http://schemas.microsoft.com/office/drawing/2014/main" id="{539AE28D-7800-6D62-A7AE-AC2881485996}"/>
+              </a:ext>
+            </a:extLst>
+          </p:cNvPr>
+          <p:cNvSpPr/>
+          <p:nvPr/>
+        </p:nvSpPr>
+        <p:spPr>
+          <a:xfrm>
+            <a:off x="2479814" y="3750367"/>
+            <a:ext cx="914400" cy="914400"/>
+          </a:xfrm>
+          <a:prstGeom prst="ellipse">
+            <a:avLst/>
+          </a:prstGeom>
+          <a:noFill/>
+          <a:ln>
+            <a:solidFill>
+              <a:schemeClr val="tx1"/>
+            </a:solidFill>
+          </a:ln>
+        </p:spPr>
+        <p:style>
+          <a:lnRef idx="2">
+            <a:schemeClr val="accent1">
+              <a:shade val="50000"/>
+            </a:schemeClr>
+          </a:lnRef>
+          <a:fillRef idx="1">
+            <a:schemeClr val="accent1"/>
+          </a:fillRef>
+          <a:effectRef idx="0">
+            <a:schemeClr val="accent1"/>
+          </a:effectRef>
+          <a:fontRef idx="minor">
+            <a:schemeClr val="lt1"/>
+          </a:fontRef>
+        </p:style>
+        <p:txBody>
+          <a:bodyPr rtlCol="0" anchor="ctr"/>
+          <a:lstStyle/>
+          <a:p>
+            <a:pPr algn="ctr"/>
+            <a:r>
+              <a:rPr lang="en-US" sz="3600" dirty="0"/>
+              <a:t>1</a:t>
+            </a:r>
+            <a:endParaRPr lang="en-US" dirty="0"/>
+          </a:p>
+        </p:txBody>
+      </p:sp>
+      <p:sp>
+        <p:nvSpPr>
+          <p:cNvPr id="4" name="Oval 3">
+            <a:extLst>
+              <a:ext uri="{FF2B5EF4-FFF2-40B4-BE49-F238E27FC236}">
+                <a16:creationId xmlns:a16="http://schemas.microsoft.com/office/drawing/2014/main" id="{7E44A96A-3ED0-3649-D121-7A1B29E8EE61}"/>
+              </a:ext>
+            </a:extLst>
+          </p:cNvPr>
+          <p:cNvSpPr/>
+          <p:nvPr/>
+        </p:nvSpPr>
+        <p:spPr>
+          <a:xfrm>
+            <a:off x="4413806" y="4996071"/>
+            <a:ext cx="914400" cy="914400"/>
+          </a:xfrm>
+          <a:prstGeom prst="ellipse">
+            <a:avLst/>
+          </a:prstGeom>
+          <a:noFill/>
+          <a:ln>
+            <a:solidFill>
+              <a:schemeClr val="tx1"/>
+            </a:solidFill>
+          </a:ln>
+        </p:spPr>
+        <p:style>
+          <a:lnRef idx="2">
+            <a:schemeClr val="accent1">
+              <a:shade val="50000"/>
+            </a:schemeClr>
+          </a:lnRef>
+          <a:fillRef idx="1">
+            <a:schemeClr val="accent1"/>
+          </a:fillRef>
+          <a:effectRef idx="0">
+            <a:schemeClr val="accent1"/>
+          </a:effectRef>
+          <a:fontRef idx="minor">
+            <a:schemeClr val="lt1"/>
+          </a:fontRef>
+        </p:style>
+        <p:txBody>
+          <a:bodyPr rtlCol="0" anchor="ctr"/>
+          <a:lstStyle/>
+          <a:p>
+            <a:pPr algn="ctr"/>
+            <a:r>
+              <a:rPr lang="en-US" sz="3600" dirty="0"/>
+              <a:t>2</a:t>
+            </a:r>
+            <a:endParaRPr lang="en-US" dirty="0"/>
+          </a:p>
+        </p:txBody>
+      </p:sp>
+      <p:sp>
+        <p:nvSpPr>
+          <p:cNvPr id="5" name="Oval 4">
+            <a:extLst>
+              <a:ext uri="{FF2B5EF4-FFF2-40B4-BE49-F238E27FC236}">
+                <a16:creationId xmlns:a16="http://schemas.microsoft.com/office/drawing/2014/main" id="{19806E6B-F82A-EC1D-0866-EAFFF93DDAD7}"/>
+              </a:ext>
+            </a:extLst>
+          </p:cNvPr>
+          <p:cNvSpPr/>
+          <p:nvPr/>
+        </p:nvSpPr>
+        <p:spPr>
+          <a:xfrm>
+            <a:off x="5638800" y="2105233"/>
+            <a:ext cx="914400" cy="914400"/>
+          </a:xfrm>
+          <a:prstGeom prst="ellipse">
+            <a:avLst/>
+          </a:prstGeom>
+          <a:noFill/>
+          <a:ln>
+            <a:solidFill>
+              <a:schemeClr val="tx1"/>
+            </a:solidFill>
+          </a:ln>
+        </p:spPr>
+        <p:style>
+          <a:lnRef idx="2">
+            <a:schemeClr val="accent1">
+              <a:shade val="50000"/>
+            </a:schemeClr>
+          </a:lnRef>
+          <a:fillRef idx="1">
+            <a:schemeClr val="accent1"/>
+          </a:fillRef>
+          <a:effectRef idx="0">
+            <a:schemeClr val="accent1"/>
+          </a:effectRef>
+          <a:fontRef idx="minor">
+            <a:schemeClr val="lt1"/>
+          </a:fontRef>
+        </p:style>
+        <p:txBody>
+          <a:bodyPr rtlCol="0" anchor="ctr"/>
+          <a:lstStyle/>
+          <a:p>
+            <a:pPr algn="ctr"/>
+            <a:r>
+              <a:rPr lang="en-US" sz="3600" dirty="0"/>
+              <a:t>4</a:t>
+            </a:r>
+            <a:endParaRPr lang="en-US" dirty="0"/>
+          </a:p>
+        </p:txBody>
+      </p:sp>
+      <p:sp>
+        <p:nvSpPr>
+          <p:cNvPr id="7" name="Oval 6">
+            <a:extLst>
+              <a:ext uri="{FF2B5EF4-FFF2-40B4-BE49-F238E27FC236}">
+                <a16:creationId xmlns:a16="http://schemas.microsoft.com/office/drawing/2014/main" id="{98A22243-ADF0-941D-8DBD-BD7B1C81AD7D}"/>
+              </a:ext>
+            </a:extLst>
+          </p:cNvPr>
+          <p:cNvSpPr/>
+          <p:nvPr/>
+        </p:nvSpPr>
+        <p:spPr>
+          <a:xfrm>
+            <a:off x="6863796" y="4996071"/>
+            <a:ext cx="914400" cy="914400"/>
+          </a:xfrm>
+          <a:prstGeom prst="ellipse">
+            <a:avLst/>
+          </a:prstGeom>
+          <a:noFill/>
+          <a:ln>
+            <a:solidFill>
+              <a:schemeClr val="tx1"/>
+            </a:solidFill>
+          </a:ln>
+        </p:spPr>
+        <p:style>
+          <a:lnRef idx="2">
+            <a:schemeClr val="accent1">
+              <a:shade val="50000"/>
+            </a:schemeClr>
+          </a:lnRef>
+          <a:fillRef idx="1">
+            <a:schemeClr val="accent1"/>
+          </a:fillRef>
+          <a:effectRef idx="0">
+            <a:schemeClr val="accent1"/>
+          </a:effectRef>
+          <a:fontRef idx="minor">
+            <a:schemeClr val="lt1"/>
+          </a:fontRef>
+        </p:style>
+        <p:txBody>
+          <a:bodyPr rtlCol="0" anchor="ctr"/>
+          <a:lstStyle/>
+          <a:p>
+            <a:pPr algn="ctr"/>
+            <a:r>
+              <a:rPr lang="en-US" sz="3600" dirty="0"/>
+              <a:t>3</a:t>
+            </a:r>
+            <a:endParaRPr lang="en-US" dirty="0"/>
+          </a:p>
+        </p:txBody>
+      </p:sp>
+      <p:sp>
+        <p:nvSpPr>
+          <p:cNvPr id="8" name="Oval 7">
+            <a:extLst>
+              <a:ext uri="{FF2B5EF4-FFF2-40B4-BE49-F238E27FC236}">
+                <a16:creationId xmlns:a16="http://schemas.microsoft.com/office/drawing/2014/main" id="{4E6F0E9D-A6C0-A0F6-7C26-359DF1C33B00}"/>
+              </a:ext>
+            </a:extLst>
+          </p:cNvPr>
+          <p:cNvSpPr/>
+          <p:nvPr/>
+        </p:nvSpPr>
+        <p:spPr>
+          <a:xfrm>
+            <a:off x="8797788" y="3750367"/>
+            <a:ext cx="914400" cy="914400"/>
+          </a:xfrm>
+          <a:prstGeom prst="ellipse">
+            <a:avLst/>
+          </a:prstGeom>
+          <a:noFill/>
+          <a:ln>
+            <a:solidFill>
+              <a:schemeClr val="tx1"/>
+            </a:solidFill>
+          </a:ln>
+        </p:spPr>
+        <p:style>
+          <a:lnRef idx="2">
+            <a:schemeClr val="accent1">
+              <a:shade val="50000"/>
+            </a:schemeClr>
+          </a:lnRef>
+          <a:fillRef idx="1">
+            <a:schemeClr val="accent1"/>
+          </a:fillRef>
+          <a:effectRef idx="0">
+            <a:schemeClr val="accent1"/>
+          </a:effectRef>
+          <a:fontRef idx="minor">
+            <a:schemeClr val="lt1"/>
+          </a:fontRef>
+        </p:style>
+        <p:txBody>
+          <a:bodyPr rtlCol="0" anchor="ctr"/>
+          <a:lstStyle/>
+          <a:p>
+            <a:pPr algn="ctr"/>
+            <a:r>
+              <a:rPr lang="en-US" sz="3600" dirty="0"/>
+              <a:t>5</a:t>
+            </a:r>
+            <a:endParaRPr lang="en-US" dirty="0"/>
+          </a:p>
+        </p:txBody>
+      </p:sp>
+      <p:cxnSp>
+        <p:nvCxnSpPr>
+          <p:cNvPr id="13" name="Straight Connector 12">
+            <a:extLst>
+              <a:ext uri="{FF2B5EF4-FFF2-40B4-BE49-F238E27FC236}">
+                <a16:creationId xmlns:a16="http://schemas.microsoft.com/office/drawing/2014/main" id="{FE1E6BCE-6416-4179-B961-960C1697061B}"/>
+              </a:ext>
+            </a:extLst>
+          </p:cNvPr>
+          <p:cNvCxnSpPr>
+            <a:cxnSpLocks/>
+            <a:stCxn id="3" idx="7"/>
+            <a:endCxn id="5" idx="2"/>
+          </p:cNvCxnSpPr>
+          <p:nvPr/>
+        </p:nvCxnSpPr>
+        <p:spPr>
+          <a:xfrm flipV="1">
+            <a:off x="3260303" y="2562433"/>
+            <a:ext cx="2378497" cy="1321845"/>
+          </a:xfrm>
+          <a:prstGeom prst="line">
+            <a:avLst/>
+          </a:prstGeom>
+          <a:ln>
+            <a:solidFill>
+              <a:schemeClr val="tx1"/>
+            </a:solidFill>
+          </a:ln>
+        </p:spPr>
+        <p:style>
+          <a:lnRef idx="1">
+            <a:schemeClr val="accent1"/>
+          </a:lnRef>
+          <a:fillRef idx="0">
+            <a:schemeClr val="accent1"/>
+          </a:fillRef>
+          <a:effectRef idx="0">
+            <a:schemeClr val="accent1"/>
+          </a:effectRef>
+          <a:fontRef idx="minor">
+            <a:schemeClr val="tx1"/>
+          </a:fontRef>
+        </p:style>
+      </p:cxnSp>
+      <p:cxnSp>
+        <p:nvCxnSpPr>
+          <p:cNvPr id="16" name="Straight Connector 15">
+            <a:extLst>
+              <a:ext uri="{FF2B5EF4-FFF2-40B4-BE49-F238E27FC236}">
+                <a16:creationId xmlns:a16="http://schemas.microsoft.com/office/drawing/2014/main" id="{31A27207-9B76-9CB5-BF90-70F471C311B1}"/>
+              </a:ext>
+            </a:extLst>
+          </p:cNvPr>
+          <p:cNvCxnSpPr>
+            <a:cxnSpLocks/>
+            <a:stCxn id="5" idx="6"/>
+            <a:endCxn id="8" idx="1"/>
+          </p:cNvCxnSpPr>
+          <p:nvPr/>
+        </p:nvCxnSpPr>
+        <p:spPr>
+          <a:xfrm>
+            <a:off x="6553200" y="2562433"/>
+            <a:ext cx="2378499" cy="1321845"/>
+          </a:xfrm>
+          <a:prstGeom prst="line">
+            <a:avLst/>
+          </a:prstGeom>
+          <a:ln>
+            <a:solidFill>
+              <a:schemeClr val="tx1"/>
+            </a:solidFill>
+          </a:ln>
+        </p:spPr>
+        <p:style>
+          <a:lnRef idx="1">
+            <a:schemeClr val="accent1"/>
+          </a:lnRef>
+          <a:fillRef idx="0">
+            <a:schemeClr val="accent1"/>
+          </a:fillRef>
+          <a:effectRef idx="0">
+            <a:schemeClr val="accent1"/>
+          </a:effectRef>
+          <a:fontRef idx="minor">
+            <a:schemeClr val="tx1"/>
+          </a:fontRef>
+        </p:style>
+      </p:cxnSp>
+      <p:cxnSp>
+        <p:nvCxnSpPr>
+          <p:cNvPr id="20" name="Straight Connector 19">
+            <a:extLst>
+              <a:ext uri="{FF2B5EF4-FFF2-40B4-BE49-F238E27FC236}">
+                <a16:creationId xmlns:a16="http://schemas.microsoft.com/office/drawing/2014/main" id="{F9288FC3-AFF9-E1E8-906E-114B0CD96A90}"/>
+              </a:ext>
+            </a:extLst>
+          </p:cNvPr>
+          <p:cNvCxnSpPr>
+            <a:cxnSpLocks/>
+            <a:stCxn id="4" idx="2"/>
+            <a:endCxn id="3" idx="5"/>
+          </p:cNvCxnSpPr>
+          <p:nvPr/>
+        </p:nvCxnSpPr>
+        <p:spPr>
+          <a:xfrm flipH="1" flipV="1">
+            <a:off x="3260303" y="4530856"/>
+            <a:ext cx="1153503" cy="922415"/>
+          </a:xfrm>
+          <a:prstGeom prst="line">
+            <a:avLst/>
+          </a:prstGeom>
+          <a:ln>
+            <a:solidFill>
+              <a:schemeClr val="tx1"/>
+            </a:solidFill>
+          </a:ln>
+        </p:spPr>
+        <p:style>
+          <a:lnRef idx="1">
+            <a:schemeClr val="accent1"/>
+          </a:lnRef>
+          <a:fillRef idx="0">
+            <a:schemeClr val="accent1"/>
+          </a:fillRef>
+          <a:effectRef idx="0">
+            <a:schemeClr val="accent1"/>
+          </a:effectRef>
+          <a:fontRef idx="minor">
+            <a:schemeClr val="tx1"/>
+          </a:fontRef>
+        </p:style>
+      </p:cxnSp>
+      <p:cxnSp>
+        <p:nvCxnSpPr>
+          <p:cNvPr id="22" name="Straight Connector 21">
+            <a:extLst>
+              <a:ext uri="{FF2B5EF4-FFF2-40B4-BE49-F238E27FC236}">
+                <a16:creationId xmlns:a16="http://schemas.microsoft.com/office/drawing/2014/main" id="{436D9E88-5F31-16A2-C32B-63AD33A5113F}"/>
+              </a:ext>
+            </a:extLst>
+          </p:cNvPr>
+          <p:cNvCxnSpPr>
+            <a:cxnSpLocks/>
+            <a:stCxn id="7" idx="6"/>
+            <a:endCxn id="8" idx="3"/>
+          </p:cNvCxnSpPr>
+          <p:nvPr/>
+        </p:nvCxnSpPr>
+        <p:spPr>
+          <a:xfrm flipV="1">
+            <a:off x="7778196" y="4530856"/>
+            <a:ext cx="1153503" cy="922415"/>
+          </a:xfrm>
+          <a:prstGeom prst="line">
+            <a:avLst/>
+          </a:prstGeom>
+          <a:ln>
+            <a:solidFill>
+              <a:schemeClr val="tx1"/>
+            </a:solidFill>
+          </a:ln>
+        </p:spPr>
+        <p:style>
+          <a:lnRef idx="1">
+            <a:schemeClr val="accent1"/>
+          </a:lnRef>
+          <a:fillRef idx="0">
+            <a:schemeClr val="accent1"/>
+          </a:fillRef>
+          <a:effectRef idx="0">
+            <a:schemeClr val="accent1"/>
+          </a:effectRef>
+          <a:fontRef idx="minor">
+            <a:schemeClr val="tx1"/>
+          </a:fontRef>
+        </p:style>
+      </p:cxnSp>
+      <p:cxnSp>
+        <p:nvCxnSpPr>
+          <p:cNvPr id="25" name="Straight Connector 24">
+            <a:extLst>
+              <a:ext uri="{FF2B5EF4-FFF2-40B4-BE49-F238E27FC236}">
+                <a16:creationId xmlns:a16="http://schemas.microsoft.com/office/drawing/2014/main" id="{734765ED-3462-2795-D6A7-D47145D688E3}"/>
+              </a:ext>
+            </a:extLst>
+          </p:cNvPr>
+          <p:cNvCxnSpPr>
+            <a:cxnSpLocks/>
+          </p:cNvCxnSpPr>
+          <p:nvPr/>
+        </p:nvCxnSpPr>
+        <p:spPr>
+          <a:xfrm>
+            <a:off x="5328206" y="5546036"/>
+            <a:ext cx="1535590" cy="0"/>
+          </a:xfrm>
+          <a:prstGeom prst="line">
+            <a:avLst/>
+          </a:prstGeom>
+          <a:ln>
+            <a:solidFill>
+              <a:schemeClr val="tx1"/>
+            </a:solidFill>
+          </a:ln>
+        </p:spPr>
+        <p:style>
+          <a:lnRef idx="1">
+            <a:schemeClr val="accent1"/>
+          </a:lnRef>
+          <a:fillRef idx="0">
+            <a:schemeClr val="accent1"/>
+          </a:fillRef>
+          <a:effectRef idx="0">
+            <a:schemeClr val="accent1"/>
+          </a:effectRef>
+          <a:fontRef idx="minor">
+            <a:schemeClr val="tx1"/>
+          </a:fontRef>
+        </p:style>
+      </p:cxnSp>
+      <p:cxnSp>
+        <p:nvCxnSpPr>
+          <p:cNvPr id="28" name="Straight Connector 27">
+            <a:extLst>
+              <a:ext uri="{FF2B5EF4-FFF2-40B4-BE49-F238E27FC236}">
+                <a16:creationId xmlns:a16="http://schemas.microsoft.com/office/drawing/2014/main" id="{841E2431-4E95-C3D6-04D8-610D7C015D67}"/>
+              </a:ext>
+            </a:extLst>
+          </p:cNvPr>
+          <p:cNvCxnSpPr>
+            <a:cxnSpLocks/>
+            <a:stCxn id="4" idx="0"/>
+            <a:endCxn id="5" idx="3"/>
+          </p:cNvCxnSpPr>
+          <p:nvPr/>
+        </p:nvCxnSpPr>
+        <p:spPr>
+          <a:xfrm flipV="1">
+            <a:off x="4871006" y="2885722"/>
+            <a:ext cx="901705" cy="2110349"/>
+          </a:xfrm>
+          <a:prstGeom prst="line">
+            <a:avLst/>
+          </a:prstGeom>
+          <a:ln>
+            <a:solidFill>
+              <a:schemeClr val="tx1"/>
+            </a:solidFill>
+          </a:ln>
+        </p:spPr>
+        <p:style>
+          <a:lnRef idx="1">
+            <a:schemeClr val="accent1"/>
+          </a:lnRef>
+          <a:fillRef idx="0">
+            <a:schemeClr val="accent1"/>
+          </a:fillRef>
+          <a:effectRef idx="0">
+            <a:schemeClr val="accent1"/>
+          </a:effectRef>
+          <a:fontRef idx="minor">
+            <a:schemeClr val="tx1"/>
+          </a:fontRef>
+        </p:style>
+      </p:cxnSp>
+      <p:cxnSp>
+        <p:nvCxnSpPr>
+          <p:cNvPr id="31" name="Straight Connector 30">
+            <a:extLst>
+              <a:ext uri="{FF2B5EF4-FFF2-40B4-BE49-F238E27FC236}">
+                <a16:creationId xmlns:a16="http://schemas.microsoft.com/office/drawing/2014/main" id="{90913696-2C53-2982-37F7-1F999064DD71}"/>
+              </a:ext>
+            </a:extLst>
+          </p:cNvPr>
+          <p:cNvCxnSpPr>
+            <a:cxnSpLocks/>
+            <a:stCxn id="7" idx="0"/>
+            <a:endCxn id="5" idx="5"/>
+          </p:cNvCxnSpPr>
+          <p:nvPr/>
+        </p:nvCxnSpPr>
+        <p:spPr>
+          <a:xfrm flipH="1" flipV="1">
+            <a:off x="6419289" y="2885722"/>
+            <a:ext cx="901707" cy="2110349"/>
+          </a:xfrm>
+          <a:prstGeom prst="line">
+            <a:avLst/>
+          </a:prstGeom>
+          <a:ln>
+            <a:solidFill>
+              <a:schemeClr val="tx1"/>
+            </a:solidFill>
+          </a:ln>
+        </p:spPr>
+        <p:style>
+          <a:lnRef idx="1">
+            <a:schemeClr val="accent1"/>
+          </a:lnRef>
+          <a:fillRef idx="0">
+            <a:schemeClr val="accent1"/>
+          </a:fillRef>
+          <a:effectRef idx="0">
+            <a:schemeClr val="accent1"/>
+          </a:effectRef>
+          <a:fontRef idx="minor">
+            <a:schemeClr val="tx1"/>
+          </a:fontRef>
+        </p:style>
+      </p:cxnSp>
     </p:spTree>
     <p:extLst>
       <p:ext uri="{BB962C8B-B14F-4D97-AF65-F5344CB8AC3E}">
@@ -4010,157 +5322,10 @@
       </p:grpSpPr>
       <p:sp>
         <p:nvSpPr>
-          <p:cNvPr id="2" name="Title 1">
+          <p:cNvPr id="6" name="Title 1">
             <a:extLst>
               <a:ext uri="{FF2B5EF4-FFF2-40B4-BE49-F238E27FC236}">
-                <a16:creationId xmlns:a16="http://schemas.microsoft.com/office/drawing/2014/main" id="{36C73367-13D8-D1F3-29EB-B49B29BDEBE7}"/>
-              </a:ext>
-            </a:extLst>
-          </p:cNvPr>
-          <p:cNvSpPr>
-            <a:spLocks noGrp="1"/>
-          </p:cNvSpPr>
-          <p:nvPr>
-            <p:ph type="ctrTitle"/>
-          </p:nvPr>
-        </p:nvSpPr>
-        <p:spPr>
-          <a:xfrm>
-            <a:off x="0" y="0"/>
-            <a:ext cx="12192000" cy="859528"/>
-          </a:xfrm>
-        </p:spPr>
-        <p:txBody>
-          <a:bodyPr>
-            <a:normAutofit/>
-          </a:bodyPr>
-          <a:lstStyle/>
-          <a:p>
-            <a:r>
-              <a:rPr lang="en-US" sz="5400" b="1" dirty="0">
-                <a:solidFill>
-                  <a:srgbClr val="FF0066"/>
-                </a:solidFill>
-                <a:latin typeface="Assassin$" panose="02000000000000000000" pitchFamily="2" charset="0"/>
-              </a:rPr>
-              <a:t>Hamiltonian Cycle Problem</a:t>
-            </a:r>
-            <a:endParaRPr lang="en-US" dirty="0">
-              <a:solidFill>
-                <a:srgbClr val="FF0066"/>
-              </a:solidFill>
-              <a:latin typeface="Assassin$" panose="02000000000000000000" pitchFamily="2" charset="0"/>
-            </a:endParaRPr>
-          </a:p>
-        </p:txBody>
-      </p:sp>
-      <p:sp>
-        <p:nvSpPr>
-          <p:cNvPr id="3" name="TextBox 2">
-            <a:extLst>
-              <a:ext uri="{FF2B5EF4-FFF2-40B4-BE49-F238E27FC236}">
-                <a16:creationId xmlns:a16="http://schemas.microsoft.com/office/drawing/2014/main" id="{09767D67-8377-DB84-7E5C-FBD16C70B86F}"/>
-              </a:ext>
-            </a:extLst>
-          </p:cNvPr>
-          <p:cNvSpPr txBox="1"/>
-          <p:nvPr/>
-        </p:nvSpPr>
-        <p:spPr>
-          <a:xfrm>
-            <a:off x="0" y="2209252"/>
-            <a:ext cx="12192000" cy="2800767"/>
-          </a:xfrm>
-          <a:prstGeom prst="rect">
-            <a:avLst/>
-          </a:prstGeom>
-          <a:noFill/>
-        </p:spPr>
-        <p:txBody>
-          <a:bodyPr wrap="square" rtlCol="0">
-            <a:spAutoFit/>
-          </a:bodyPr>
-          <a:lstStyle/>
-          <a:p>
-            <a:pPr marL="1028700" lvl="1" indent="-571500">
-              <a:buFont typeface="Arial" panose="020B0604020202020204" pitchFamily="34" charset="0"/>
-              <a:buChar char="•"/>
-            </a:pPr>
-            <a:r>
-              <a:rPr lang="en-US" sz="4400" dirty="0">
-                <a:latin typeface="Assassin$" panose="02000000000000000000" pitchFamily="2" charset="0"/>
-              </a:rPr>
-              <a:t>Brute-Force </a:t>
-            </a:r>
-            <a:r>
-              <a:rPr lang="en-US" sz="4400" dirty="0">
-                <a:latin typeface="Algerian" panose="04020705040A02060702" pitchFamily="82" charset="0"/>
-              </a:rPr>
-              <a:t>(</a:t>
-            </a:r>
-            <a:r>
-              <a:rPr lang="en-US" sz="4400" dirty="0">
-                <a:latin typeface="Assassin$" panose="02000000000000000000" pitchFamily="2" charset="0"/>
-              </a:rPr>
-              <a:t>Naive</a:t>
-            </a:r>
-            <a:r>
-              <a:rPr lang="en-US" sz="4400" dirty="0">
-                <a:latin typeface="Algerian" panose="04020705040A02060702" pitchFamily="82" charset="0"/>
-              </a:rPr>
-              <a:t>)</a:t>
-            </a:r>
-            <a:r>
-              <a:rPr lang="en-US" sz="4400" dirty="0">
-                <a:latin typeface="Assassin$" panose="02000000000000000000" pitchFamily="2" charset="0"/>
-              </a:rPr>
-              <a:t> Approach</a:t>
-            </a:r>
-          </a:p>
-          <a:p>
-            <a:pPr marL="1028700" lvl="1" indent="-571500">
-              <a:buFont typeface="Arial" panose="020B0604020202020204" pitchFamily="34" charset="0"/>
-              <a:buChar char="•"/>
-            </a:pPr>
-            <a:r>
-              <a:rPr lang="en-US" sz="4400" dirty="0">
-                <a:latin typeface="Assassin$" panose="02000000000000000000" pitchFamily="2" charset="0"/>
-              </a:rPr>
-              <a:t>Back-Tracking Algorithm</a:t>
-            </a:r>
-          </a:p>
-          <a:p>
-            <a:pPr marL="1028700" lvl="1" indent="-571500">
-              <a:buFont typeface="Arial" panose="020B0604020202020204" pitchFamily="34" charset="0"/>
-              <a:buChar char="•"/>
-            </a:pPr>
-            <a:r>
-              <a:rPr lang="en-US" sz="4400" dirty="0">
-                <a:latin typeface="Assassin$" panose="02000000000000000000" pitchFamily="2" charset="0"/>
-              </a:rPr>
-              <a:t>Dynamic Programming</a:t>
-            </a:r>
-          </a:p>
-          <a:p>
-            <a:pPr marL="1028700" lvl="1" indent="-571500">
-              <a:buFont typeface="Arial" panose="020B0604020202020204" pitchFamily="34" charset="0"/>
-              <a:buChar char="•"/>
-            </a:pPr>
-            <a:r>
-              <a:rPr lang="en-US" sz="4400" dirty="0">
-                <a:latin typeface="Assassin$" panose="02000000000000000000" pitchFamily="2" charset="0"/>
-              </a:rPr>
-              <a:t>Heuristic Algorithm</a:t>
-            </a:r>
-          </a:p>
-        </p:txBody>
-      </p:sp>
-      <p:sp>
-        <p:nvSpPr>
-          <p:cNvPr id="5" name="Title 1">
-            <a:extLst>
-              <a:ext uri="{FF2B5EF4-FFF2-40B4-BE49-F238E27FC236}">
-                <a16:creationId xmlns:a16="http://schemas.microsoft.com/office/drawing/2014/main" id="{1EA23ABE-A70A-66DE-9119-53B29AC9C3FF}"/>
+                <a16:creationId xmlns:a16="http://schemas.microsoft.com/office/drawing/2014/main" id="{AC98A433-6C71-0734-34B5-13CC1023C1C8}"/>
               </a:ext>
             </a:extLst>
           </p:cNvPr>
@@ -4210,7 +5375,25 @@
                 </a:solidFill>
                 <a:latin typeface="Assassin$" panose="02000000000000000000" pitchFamily="2" charset="0"/>
               </a:rPr>
-              <a:t>Explored Algorithms</a:t>
+              <a:t>Problem </a:t>
+            </a:r>
+            <a:r>
+              <a:rPr lang="en-US" sz="4800" b="1" dirty="0">
+                <a:solidFill>
+                  <a:srgbClr val="FF0066"/>
+                </a:solidFill>
+                <a:latin typeface="Algerian" panose="04020705040A02060702" pitchFamily="82" charset="0"/>
+              </a:rPr>
+              <a:t>–</a:t>
+            </a:r>
+            <a:r>
+              <a:rPr lang="en-US" sz="4800" b="1" dirty="0">
+                <a:solidFill>
+                  <a:srgbClr val="FF0066"/>
+                </a:solidFill>
+                <a:latin typeface="Assassin$" panose="02000000000000000000" pitchFamily="2" charset="0"/>
+              </a:rPr>
+              <a:t> Example </a:t>
             </a:r>
             <a:endParaRPr lang="en-US" sz="5400" dirty="0">
               <a:solidFill>
@@ -4221,10 +5404,649 @@
           </a:p>
         </p:txBody>
       </p:sp>
+      <p:sp>
+        <p:nvSpPr>
+          <p:cNvPr id="2" name="Title 1">
+            <a:extLst>
+              <a:ext uri="{FF2B5EF4-FFF2-40B4-BE49-F238E27FC236}">
+                <a16:creationId xmlns:a16="http://schemas.microsoft.com/office/drawing/2014/main" id="{36C73367-13D8-D1F3-29EB-B49B29BDEBE7}"/>
+              </a:ext>
+            </a:extLst>
+          </p:cNvPr>
+          <p:cNvSpPr>
+            <a:spLocks noGrp="1"/>
+          </p:cNvSpPr>
+          <p:nvPr>
+            <p:ph type="ctrTitle"/>
+          </p:nvPr>
+        </p:nvSpPr>
+        <p:spPr>
+          <a:xfrm>
+            <a:off x="0" y="0"/>
+            <a:ext cx="12192000" cy="859528"/>
+          </a:xfrm>
+        </p:spPr>
+        <p:txBody>
+          <a:bodyPr>
+            <a:normAutofit/>
+          </a:bodyPr>
+          <a:lstStyle/>
+          <a:p>
+            <a:r>
+              <a:rPr lang="en-US" sz="5400" b="1" dirty="0">
+                <a:solidFill>
+                  <a:srgbClr val="FF0066"/>
+                </a:solidFill>
+                <a:latin typeface="Assassin$" panose="02000000000000000000" pitchFamily="2" charset="0"/>
+              </a:rPr>
+              <a:t>Hamiltonian Cycle Problem</a:t>
+            </a:r>
+            <a:endParaRPr lang="en-US" dirty="0">
+              <a:solidFill>
+                <a:srgbClr val="FF0066"/>
+              </a:solidFill>
+              <a:latin typeface="Assassin$" panose="02000000000000000000" pitchFamily="2" charset="0"/>
+            </a:endParaRPr>
+          </a:p>
+        </p:txBody>
+      </p:sp>
+      <p:sp>
+        <p:nvSpPr>
+          <p:cNvPr id="3" name="Oval 2">
+            <a:extLst>
+              <a:ext uri="{FF2B5EF4-FFF2-40B4-BE49-F238E27FC236}">
+                <a16:creationId xmlns:a16="http://schemas.microsoft.com/office/drawing/2014/main" id="{539AE28D-7800-6D62-A7AE-AC2881485996}"/>
+              </a:ext>
+            </a:extLst>
+          </p:cNvPr>
+          <p:cNvSpPr/>
+          <p:nvPr/>
+        </p:nvSpPr>
+        <p:spPr>
+          <a:xfrm>
+            <a:off x="2479814" y="3750367"/>
+            <a:ext cx="914400" cy="914400"/>
+          </a:xfrm>
+          <a:prstGeom prst="ellipse">
+            <a:avLst/>
+          </a:prstGeom>
+          <a:noFill/>
+          <a:ln>
+            <a:solidFill>
+              <a:srgbClr val="FF0066"/>
+            </a:solidFill>
+          </a:ln>
+        </p:spPr>
+        <p:style>
+          <a:lnRef idx="2">
+            <a:schemeClr val="accent1">
+              <a:shade val="50000"/>
+            </a:schemeClr>
+          </a:lnRef>
+          <a:fillRef idx="1">
+            <a:schemeClr val="accent1"/>
+          </a:fillRef>
+          <a:effectRef idx="0">
+            <a:schemeClr val="accent1"/>
+          </a:effectRef>
+          <a:fontRef idx="minor">
+            <a:schemeClr val="lt1"/>
+          </a:fontRef>
+        </p:style>
+        <p:txBody>
+          <a:bodyPr rtlCol="0" anchor="ctr"/>
+          <a:lstStyle/>
+          <a:p>
+            <a:pPr algn="ctr"/>
+            <a:r>
+              <a:rPr lang="en-US" sz="3600" dirty="0"/>
+              <a:t>1</a:t>
+            </a:r>
+            <a:endParaRPr lang="en-US" dirty="0"/>
+          </a:p>
+        </p:txBody>
+      </p:sp>
+      <p:sp>
+        <p:nvSpPr>
+          <p:cNvPr id="4" name="Oval 3">
+            <a:extLst>
+              <a:ext uri="{FF2B5EF4-FFF2-40B4-BE49-F238E27FC236}">
+                <a16:creationId xmlns:a16="http://schemas.microsoft.com/office/drawing/2014/main" id="{7E44A96A-3ED0-3649-D121-7A1B29E8EE61}"/>
+              </a:ext>
+            </a:extLst>
+          </p:cNvPr>
+          <p:cNvSpPr/>
+          <p:nvPr/>
+        </p:nvSpPr>
+        <p:spPr>
+          <a:xfrm>
+            <a:off x="4413806" y="4996071"/>
+            <a:ext cx="914400" cy="914400"/>
+          </a:xfrm>
+          <a:prstGeom prst="ellipse">
+            <a:avLst/>
+          </a:prstGeom>
+          <a:noFill/>
+          <a:ln>
+            <a:solidFill>
+              <a:srgbClr val="FF0066"/>
+            </a:solidFill>
+          </a:ln>
+        </p:spPr>
+        <p:style>
+          <a:lnRef idx="2">
+            <a:schemeClr val="accent1">
+              <a:shade val="50000"/>
+            </a:schemeClr>
+          </a:lnRef>
+          <a:fillRef idx="1">
+            <a:schemeClr val="accent1"/>
+          </a:fillRef>
+          <a:effectRef idx="0">
+            <a:schemeClr val="accent1"/>
+          </a:effectRef>
+          <a:fontRef idx="minor">
+            <a:schemeClr val="lt1"/>
+          </a:fontRef>
+        </p:style>
+        <p:txBody>
+          <a:bodyPr rtlCol="0" anchor="ctr"/>
+          <a:lstStyle/>
+          <a:p>
+            <a:pPr algn="ctr"/>
+            <a:r>
+              <a:rPr lang="en-US" sz="3600" dirty="0"/>
+              <a:t>2</a:t>
+            </a:r>
+            <a:endParaRPr lang="en-US" dirty="0"/>
+          </a:p>
+        </p:txBody>
+      </p:sp>
+      <p:sp>
+        <p:nvSpPr>
+          <p:cNvPr id="5" name="Oval 4">
+            <a:extLst>
+              <a:ext uri="{FF2B5EF4-FFF2-40B4-BE49-F238E27FC236}">
+                <a16:creationId xmlns:a16="http://schemas.microsoft.com/office/drawing/2014/main" id="{19806E6B-F82A-EC1D-0866-EAFFF93DDAD7}"/>
+              </a:ext>
+            </a:extLst>
+          </p:cNvPr>
+          <p:cNvSpPr/>
+          <p:nvPr/>
+        </p:nvSpPr>
+        <p:spPr>
+          <a:xfrm>
+            <a:off x="5638800" y="2105233"/>
+            <a:ext cx="914400" cy="914400"/>
+          </a:xfrm>
+          <a:prstGeom prst="ellipse">
+            <a:avLst/>
+          </a:prstGeom>
+          <a:noFill/>
+          <a:ln>
+            <a:solidFill>
+              <a:srgbClr val="FF0066"/>
+            </a:solidFill>
+          </a:ln>
+        </p:spPr>
+        <p:style>
+          <a:lnRef idx="2">
+            <a:schemeClr val="accent1">
+              <a:shade val="50000"/>
+            </a:schemeClr>
+          </a:lnRef>
+          <a:fillRef idx="1">
+            <a:schemeClr val="accent1"/>
+          </a:fillRef>
+          <a:effectRef idx="0">
+            <a:schemeClr val="accent1"/>
+          </a:effectRef>
+          <a:fontRef idx="minor">
+            <a:schemeClr val="lt1"/>
+          </a:fontRef>
+        </p:style>
+        <p:txBody>
+          <a:bodyPr rtlCol="0" anchor="ctr"/>
+          <a:lstStyle/>
+          <a:p>
+            <a:pPr algn="ctr"/>
+            <a:r>
+              <a:rPr lang="en-US" sz="3600" dirty="0"/>
+              <a:t>4</a:t>
+            </a:r>
+            <a:endParaRPr lang="en-US" dirty="0"/>
+          </a:p>
+        </p:txBody>
+      </p:sp>
+      <p:sp>
+        <p:nvSpPr>
+          <p:cNvPr id="7" name="Oval 6">
+            <a:extLst>
+              <a:ext uri="{FF2B5EF4-FFF2-40B4-BE49-F238E27FC236}">
+                <a16:creationId xmlns:a16="http://schemas.microsoft.com/office/drawing/2014/main" id="{98A22243-ADF0-941D-8DBD-BD7B1C81AD7D}"/>
+              </a:ext>
+            </a:extLst>
+          </p:cNvPr>
+          <p:cNvSpPr/>
+          <p:nvPr/>
+        </p:nvSpPr>
+        <p:spPr>
+          <a:xfrm>
+            <a:off x="6863796" y="4996071"/>
+            <a:ext cx="914400" cy="914400"/>
+          </a:xfrm>
+          <a:prstGeom prst="ellipse">
+            <a:avLst/>
+          </a:prstGeom>
+          <a:noFill/>
+          <a:ln>
+            <a:solidFill>
+              <a:srgbClr val="FF0066"/>
+            </a:solidFill>
+          </a:ln>
+        </p:spPr>
+        <p:style>
+          <a:lnRef idx="2">
+            <a:schemeClr val="accent1">
+              <a:shade val="50000"/>
+            </a:schemeClr>
+          </a:lnRef>
+          <a:fillRef idx="1">
+            <a:schemeClr val="accent1"/>
+          </a:fillRef>
+          <a:effectRef idx="0">
+            <a:schemeClr val="accent1"/>
+          </a:effectRef>
+          <a:fontRef idx="minor">
+            <a:schemeClr val="lt1"/>
+          </a:fontRef>
+        </p:style>
+        <p:txBody>
+          <a:bodyPr rtlCol="0" anchor="ctr"/>
+          <a:lstStyle/>
+          <a:p>
+            <a:pPr algn="ctr"/>
+            <a:r>
+              <a:rPr lang="en-US" sz="3600" dirty="0"/>
+              <a:t>3</a:t>
+            </a:r>
+            <a:endParaRPr lang="en-US" dirty="0"/>
+          </a:p>
+        </p:txBody>
+      </p:sp>
+      <p:sp>
+        <p:nvSpPr>
+          <p:cNvPr id="8" name="Oval 7">
+            <a:extLst>
+              <a:ext uri="{FF2B5EF4-FFF2-40B4-BE49-F238E27FC236}">
+                <a16:creationId xmlns:a16="http://schemas.microsoft.com/office/drawing/2014/main" id="{4E6F0E9D-A6C0-A0F6-7C26-359DF1C33B00}"/>
+              </a:ext>
+            </a:extLst>
+          </p:cNvPr>
+          <p:cNvSpPr/>
+          <p:nvPr/>
+        </p:nvSpPr>
+        <p:spPr>
+          <a:xfrm>
+            <a:off x="8797788" y="3750367"/>
+            <a:ext cx="914400" cy="914400"/>
+          </a:xfrm>
+          <a:prstGeom prst="ellipse">
+            <a:avLst/>
+          </a:prstGeom>
+          <a:noFill/>
+          <a:ln>
+            <a:solidFill>
+              <a:srgbClr val="FF0066"/>
+            </a:solidFill>
+          </a:ln>
+        </p:spPr>
+        <p:style>
+          <a:lnRef idx="2">
+            <a:schemeClr val="accent1">
+              <a:shade val="50000"/>
+            </a:schemeClr>
+          </a:lnRef>
+          <a:fillRef idx="1">
+            <a:schemeClr val="accent1"/>
+          </a:fillRef>
+          <a:effectRef idx="0">
+            <a:schemeClr val="accent1"/>
+          </a:effectRef>
+          <a:fontRef idx="minor">
+            <a:schemeClr val="lt1"/>
+          </a:fontRef>
+        </p:style>
+        <p:txBody>
+          <a:bodyPr rtlCol="0" anchor="ctr"/>
+          <a:lstStyle/>
+          <a:p>
+            <a:pPr algn="ctr"/>
+            <a:r>
+              <a:rPr lang="en-US" sz="3600" dirty="0"/>
+              <a:t>5</a:t>
+            </a:r>
+            <a:endParaRPr lang="en-US" dirty="0"/>
+          </a:p>
+        </p:txBody>
+      </p:sp>
+      <p:cxnSp>
+        <p:nvCxnSpPr>
+          <p:cNvPr id="13" name="Straight Connector 12">
+            <a:extLst>
+              <a:ext uri="{FF2B5EF4-FFF2-40B4-BE49-F238E27FC236}">
+                <a16:creationId xmlns:a16="http://schemas.microsoft.com/office/drawing/2014/main" id="{FE1E6BCE-6416-4179-B961-960C1697061B}"/>
+              </a:ext>
+            </a:extLst>
+          </p:cNvPr>
+          <p:cNvCxnSpPr>
+            <a:cxnSpLocks/>
+            <a:stCxn id="3" idx="7"/>
+            <a:endCxn id="5" idx="2"/>
+          </p:cNvCxnSpPr>
+          <p:nvPr/>
+        </p:nvCxnSpPr>
+        <p:spPr>
+          <a:xfrm flipV="1">
+            <a:off x="3260303" y="2562433"/>
+            <a:ext cx="2378497" cy="1321845"/>
+          </a:xfrm>
+          <a:prstGeom prst="line">
+            <a:avLst/>
+          </a:prstGeom>
+          <a:ln>
+            <a:solidFill>
+              <a:srgbClr val="FF0066"/>
+            </a:solidFill>
+          </a:ln>
+        </p:spPr>
+        <p:style>
+          <a:lnRef idx="1">
+            <a:schemeClr val="accent1"/>
+          </a:lnRef>
+          <a:fillRef idx="0">
+            <a:schemeClr val="accent1"/>
+          </a:fillRef>
+          <a:effectRef idx="0">
+            <a:schemeClr val="accent1"/>
+          </a:effectRef>
+          <a:fontRef idx="minor">
+            <a:schemeClr val="tx1"/>
+          </a:fontRef>
+        </p:style>
+      </p:cxnSp>
+      <p:cxnSp>
+        <p:nvCxnSpPr>
+          <p:cNvPr id="16" name="Straight Connector 15">
+            <a:extLst>
+              <a:ext uri="{FF2B5EF4-FFF2-40B4-BE49-F238E27FC236}">
+                <a16:creationId xmlns:a16="http://schemas.microsoft.com/office/drawing/2014/main" id="{31A27207-9B76-9CB5-BF90-70F471C311B1}"/>
+              </a:ext>
+            </a:extLst>
+          </p:cNvPr>
+          <p:cNvCxnSpPr>
+            <a:cxnSpLocks/>
+            <a:stCxn id="5" idx="6"/>
+            <a:endCxn id="8" idx="1"/>
+          </p:cNvCxnSpPr>
+          <p:nvPr/>
+        </p:nvCxnSpPr>
+        <p:spPr>
+          <a:xfrm>
+            <a:off x="6553200" y="2562433"/>
+            <a:ext cx="2378499" cy="1321845"/>
+          </a:xfrm>
+          <a:prstGeom prst="line">
+            <a:avLst/>
+          </a:prstGeom>
+          <a:ln>
+            <a:solidFill>
+              <a:srgbClr val="FF0066"/>
+            </a:solidFill>
+          </a:ln>
+        </p:spPr>
+        <p:style>
+          <a:lnRef idx="1">
+            <a:schemeClr val="accent1"/>
+          </a:lnRef>
+          <a:fillRef idx="0">
+            <a:schemeClr val="accent1"/>
+          </a:fillRef>
+          <a:effectRef idx="0">
+            <a:schemeClr val="accent1"/>
+          </a:effectRef>
+          <a:fontRef idx="minor">
+            <a:schemeClr val="tx1"/>
+          </a:fontRef>
+        </p:style>
+      </p:cxnSp>
+      <p:cxnSp>
+        <p:nvCxnSpPr>
+          <p:cNvPr id="20" name="Straight Connector 19">
+            <a:extLst>
+              <a:ext uri="{FF2B5EF4-FFF2-40B4-BE49-F238E27FC236}">
+                <a16:creationId xmlns:a16="http://schemas.microsoft.com/office/drawing/2014/main" id="{F9288FC3-AFF9-E1E8-906E-114B0CD96A90}"/>
+              </a:ext>
+            </a:extLst>
+          </p:cNvPr>
+          <p:cNvCxnSpPr>
+            <a:cxnSpLocks/>
+            <a:stCxn id="4" idx="2"/>
+            <a:endCxn id="3" idx="5"/>
+          </p:cNvCxnSpPr>
+          <p:nvPr/>
+        </p:nvCxnSpPr>
+        <p:spPr>
+          <a:xfrm flipH="1" flipV="1">
+            <a:off x="3260303" y="4530856"/>
+            <a:ext cx="1153503" cy="922415"/>
+          </a:xfrm>
+          <a:prstGeom prst="line">
+            <a:avLst/>
+          </a:prstGeom>
+          <a:ln>
+            <a:solidFill>
+              <a:srgbClr val="FF0066"/>
+            </a:solidFill>
+          </a:ln>
+        </p:spPr>
+        <p:style>
+          <a:lnRef idx="1">
+            <a:schemeClr val="accent1"/>
+          </a:lnRef>
+          <a:fillRef idx="0">
+            <a:schemeClr val="accent1"/>
+          </a:fillRef>
+          <a:effectRef idx="0">
+            <a:schemeClr val="accent1"/>
+          </a:effectRef>
+          <a:fontRef idx="minor">
+            <a:schemeClr val="tx1"/>
+          </a:fontRef>
+        </p:style>
+      </p:cxnSp>
+      <p:cxnSp>
+        <p:nvCxnSpPr>
+          <p:cNvPr id="22" name="Straight Connector 21">
+            <a:extLst>
+              <a:ext uri="{FF2B5EF4-FFF2-40B4-BE49-F238E27FC236}">
+                <a16:creationId xmlns:a16="http://schemas.microsoft.com/office/drawing/2014/main" id="{436D9E88-5F31-16A2-C32B-63AD33A5113F}"/>
+              </a:ext>
+            </a:extLst>
+          </p:cNvPr>
+          <p:cNvCxnSpPr>
+            <a:cxnSpLocks/>
+            <a:stCxn id="7" idx="6"/>
+            <a:endCxn id="8" idx="3"/>
+          </p:cNvCxnSpPr>
+          <p:nvPr/>
+        </p:nvCxnSpPr>
+        <p:spPr>
+          <a:xfrm flipV="1">
+            <a:off x="7778196" y="4530856"/>
+            <a:ext cx="1153503" cy="922415"/>
+          </a:xfrm>
+          <a:prstGeom prst="line">
+            <a:avLst/>
+          </a:prstGeom>
+          <a:ln>
+            <a:solidFill>
+              <a:srgbClr val="FF0066"/>
+            </a:solidFill>
+          </a:ln>
+        </p:spPr>
+        <p:style>
+          <a:lnRef idx="1">
+            <a:schemeClr val="accent1"/>
+          </a:lnRef>
+          <a:fillRef idx="0">
+            <a:schemeClr val="accent1"/>
+          </a:fillRef>
+          <a:effectRef idx="0">
+            <a:schemeClr val="accent1"/>
+          </a:effectRef>
+          <a:fontRef idx="minor">
+            <a:schemeClr val="tx1"/>
+          </a:fontRef>
+        </p:style>
+      </p:cxnSp>
+      <p:cxnSp>
+        <p:nvCxnSpPr>
+          <p:cNvPr id="25" name="Straight Connector 24">
+            <a:extLst>
+              <a:ext uri="{FF2B5EF4-FFF2-40B4-BE49-F238E27FC236}">
+                <a16:creationId xmlns:a16="http://schemas.microsoft.com/office/drawing/2014/main" id="{734765ED-3462-2795-D6A7-D47145D688E3}"/>
+              </a:ext>
+            </a:extLst>
+          </p:cNvPr>
+          <p:cNvCxnSpPr>
+            <a:cxnSpLocks/>
+          </p:cNvCxnSpPr>
+          <p:nvPr/>
+        </p:nvCxnSpPr>
+        <p:spPr>
+          <a:xfrm>
+            <a:off x="5328206" y="5546036"/>
+            <a:ext cx="1535590" cy="0"/>
+          </a:xfrm>
+          <a:prstGeom prst="line">
+            <a:avLst/>
+          </a:prstGeom>
+          <a:ln>
+            <a:solidFill>
+              <a:srgbClr val="FF0066"/>
+            </a:solidFill>
+          </a:ln>
+        </p:spPr>
+        <p:style>
+          <a:lnRef idx="1">
+            <a:schemeClr val="accent1"/>
+          </a:lnRef>
+          <a:fillRef idx="0">
+            <a:schemeClr val="accent1"/>
+          </a:fillRef>
+          <a:effectRef idx="0">
+            <a:schemeClr val="accent1"/>
+          </a:effectRef>
+          <a:fontRef idx="minor">
+            <a:schemeClr val="tx1"/>
+          </a:fontRef>
+        </p:style>
+      </p:cxnSp>
+      <p:cxnSp>
+        <p:nvCxnSpPr>
+          <p:cNvPr id="28" name="Straight Connector 27">
+            <a:extLst>
+              <a:ext uri="{FF2B5EF4-FFF2-40B4-BE49-F238E27FC236}">
+                <a16:creationId xmlns:a16="http://schemas.microsoft.com/office/drawing/2014/main" id="{841E2431-4E95-C3D6-04D8-610D7C015D67}"/>
+              </a:ext>
+            </a:extLst>
+          </p:cNvPr>
+          <p:cNvCxnSpPr>
+            <a:cxnSpLocks/>
+            <a:stCxn id="4" idx="0"/>
+            <a:endCxn id="5" idx="3"/>
+          </p:cNvCxnSpPr>
+          <p:nvPr/>
+        </p:nvCxnSpPr>
+        <p:spPr>
+          <a:xfrm flipV="1">
+            <a:off x="4871006" y="2885722"/>
+            <a:ext cx="901705" cy="2110349"/>
+          </a:xfrm>
+          <a:prstGeom prst="line">
+            <a:avLst/>
+          </a:prstGeom>
+          <a:ln>
+            <a:solidFill>
+              <a:schemeClr val="tx1"/>
+            </a:solidFill>
+          </a:ln>
+        </p:spPr>
+        <p:style>
+          <a:lnRef idx="1">
+            <a:schemeClr val="accent1"/>
+          </a:lnRef>
+          <a:fillRef idx="0">
+            <a:schemeClr val="accent1"/>
+          </a:fillRef>
+          <a:effectRef idx="0">
+            <a:schemeClr val="accent1"/>
+          </a:effectRef>
+          <a:fontRef idx="minor">
+            <a:schemeClr val="tx1"/>
+          </a:fontRef>
+        </p:style>
+      </p:cxnSp>
+      <p:cxnSp>
+        <p:nvCxnSpPr>
+          <p:cNvPr id="31" name="Straight Connector 30">
+            <a:extLst>
+              <a:ext uri="{FF2B5EF4-FFF2-40B4-BE49-F238E27FC236}">
+                <a16:creationId xmlns:a16="http://schemas.microsoft.com/office/drawing/2014/main" id="{90913696-2C53-2982-37F7-1F999064DD71}"/>
+              </a:ext>
+            </a:extLst>
+          </p:cNvPr>
+          <p:cNvCxnSpPr>
+            <a:cxnSpLocks/>
+            <a:stCxn id="7" idx="0"/>
+            <a:endCxn id="5" idx="5"/>
+          </p:cNvCxnSpPr>
+          <p:nvPr/>
+        </p:nvCxnSpPr>
+        <p:spPr>
+          <a:xfrm flipH="1" flipV="1">
+            <a:off x="6419289" y="2885722"/>
+            <a:ext cx="901707" cy="2110349"/>
+          </a:xfrm>
+          <a:prstGeom prst="line">
+            <a:avLst/>
+          </a:prstGeom>
+          <a:ln>
+            <a:solidFill>
+              <a:schemeClr val="tx1"/>
+            </a:solidFill>
+          </a:ln>
+        </p:spPr>
+        <p:style>
+          <a:lnRef idx="1">
+            <a:schemeClr val="accent1"/>
+          </a:lnRef>
+          <a:fillRef idx="0">
+            <a:schemeClr val="accent1"/>
+          </a:fillRef>
+          <a:effectRef idx="0">
+            <a:schemeClr val="accent1"/>
+          </a:effectRef>
+          <a:fontRef idx="minor">
+            <a:schemeClr val="tx1"/>
+          </a:fontRef>
+        </p:style>
+      </p:cxnSp>
     </p:spTree>
     <p:extLst>
       <p:ext uri="{BB962C8B-B14F-4D97-AF65-F5344CB8AC3E}">
-        <p14:creationId xmlns:p14="http://schemas.microsoft.com/office/powerpoint/2010/main" val="814797464"/>
+        <p14:creationId xmlns:p14="http://schemas.microsoft.com/office/powerpoint/2010/main" val="657339313"/>
       </p:ext>
     </p:extLst>
   </p:cSld>
@@ -4299,6 +6121,107 @@
       </p:sp>
       <p:sp>
         <p:nvSpPr>
+          <p:cNvPr id="3" name="TextBox 2">
+            <a:extLst>
+              <a:ext uri="{FF2B5EF4-FFF2-40B4-BE49-F238E27FC236}">
+                <a16:creationId xmlns:a16="http://schemas.microsoft.com/office/drawing/2014/main" id="{09767D67-8377-DB84-7E5C-FBD16C70B86F}"/>
+              </a:ext>
+            </a:extLst>
+          </p:cNvPr>
+          <p:cNvSpPr txBox="1"/>
+          <p:nvPr/>
+        </p:nvSpPr>
+        <p:spPr>
+          <a:xfrm>
+            <a:off x="0" y="2209252"/>
+            <a:ext cx="12192000" cy="2800767"/>
+          </a:xfrm>
+          <a:prstGeom prst="rect">
+            <a:avLst/>
+          </a:prstGeom>
+          <a:noFill/>
+        </p:spPr>
+        <p:txBody>
+          <a:bodyPr wrap="square" rtlCol="0">
+            <a:spAutoFit/>
+          </a:bodyPr>
+          <a:lstStyle/>
+          <a:p>
+            <a:pPr marL="1028700" lvl="1" indent="-571500">
+              <a:buFont typeface="Arial" panose="020B0604020202020204" pitchFamily="34" charset="0"/>
+              <a:buChar char="•"/>
+            </a:pPr>
+            <a:r>
+              <a:rPr lang="en-US" sz="4400" dirty="0">
+                <a:latin typeface="Assassin$" panose="02000000000000000000" pitchFamily="2" charset="0"/>
+              </a:rPr>
+              <a:t>Brute-Force </a:t>
+            </a:r>
+            <a:r>
+              <a:rPr lang="en-US" sz="4400" dirty="0">
+                <a:latin typeface="Algerian" panose="04020705040A02060702" pitchFamily="82" charset="0"/>
+              </a:rPr>
+              <a:t>(</a:t>
+            </a:r>
+            <a:r>
+              <a:rPr lang="en-US" sz="4400" dirty="0">
+                <a:latin typeface="Assassin$" panose="02000000000000000000" pitchFamily="2" charset="0"/>
+              </a:rPr>
+              <a:t>Naive</a:t>
+            </a:r>
+            <a:r>
+              <a:rPr lang="en-US" sz="4400" dirty="0">
+                <a:latin typeface="Algerian" panose="04020705040A02060702" pitchFamily="82" charset="0"/>
+              </a:rPr>
+              <a:t>)</a:t>
+            </a:r>
+            <a:r>
+              <a:rPr lang="en-US" sz="4400" dirty="0">
+                <a:latin typeface="Assassin$" panose="02000000000000000000" pitchFamily="2" charset="0"/>
+              </a:rPr>
+              <a:t> Approach</a:t>
+            </a:r>
+          </a:p>
+          <a:p>
+            <a:pPr marL="1028700" lvl="1" indent="-571500">
+              <a:buFont typeface="Arial" panose="020B0604020202020204" pitchFamily="34" charset="0"/>
+              <a:buChar char="•"/>
+            </a:pPr>
+            <a:r>
+              <a:rPr lang="en-US" sz="4400" dirty="0">
+                <a:latin typeface="Assassin$" panose="02000000000000000000" pitchFamily="2" charset="0"/>
+              </a:rPr>
+              <a:t>Back-Tracking Algorithm</a:t>
+            </a:r>
+          </a:p>
+          <a:p>
+            <a:pPr marL="1028700" lvl="1" indent="-571500">
+              <a:buFont typeface="Arial" panose="020B0604020202020204" pitchFamily="34" charset="0"/>
+              <a:buChar char="•"/>
+            </a:pPr>
+            <a:r>
+              <a:rPr lang="en-US" sz="4400" dirty="0">
+                <a:latin typeface="Assassin$" panose="02000000000000000000" pitchFamily="2" charset="0"/>
+              </a:rPr>
+              <a:t>Dynamic Programming</a:t>
+            </a:r>
+          </a:p>
+          <a:p>
+            <a:pPr marL="1028700" lvl="1" indent="-571500">
+              <a:buFont typeface="Arial" panose="020B0604020202020204" pitchFamily="34" charset="0"/>
+              <a:buChar char="•"/>
+            </a:pPr>
+            <a:r>
+              <a:rPr lang="en-US" sz="4400" dirty="0">
+                <a:latin typeface="Assassin$" panose="02000000000000000000" pitchFamily="2" charset="0"/>
+              </a:rPr>
+              <a:t>Heuristic Algorithm</a:t>
+            </a:r>
+          </a:p>
+        </p:txBody>
+      </p:sp>
+      <p:sp>
+        <p:nvSpPr>
           <p:cNvPr id="5" name="Title 1">
             <a:extLst>
               <a:ext uri="{FF2B5EF4-FFF2-40B4-BE49-F238E27FC236}">
@@ -4352,7 +6275,7 @@
                 </a:solidFill>
                 <a:latin typeface="Assassin$" panose="02000000000000000000" pitchFamily="2" charset="0"/>
               </a:rPr>
-              <a:t>Brute-Force Approach</a:t>
+              <a:t>Explored Algorithms</a:t>
             </a:r>
             <a:endParaRPr lang="en-US" sz="5400" dirty="0">
               <a:solidFill>
@@ -4366,7 +6289,7 @@
     </p:spTree>
     <p:extLst>
       <p:ext uri="{BB962C8B-B14F-4D97-AF65-F5344CB8AC3E}">
-        <p14:creationId xmlns:p14="http://schemas.microsoft.com/office/powerpoint/2010/main" val="2432004922"/>
+        <p14:creationId xmlns:p14="http://schemas.microsoft.com/office/powerpoint/2010/main" val="814797464"/>
       </p:ext>
     </p:extLst>
   </p:cSld>
@@ -4494,7 +6417,7 @@
                 </a:solidFill>
                 <a:latin typeface="Assassin$" panose="02000000000000000000" pitchFamily="2" charset="0"/>
               </a:rPr>
-              <a:t>Back Tracking Approach</a:t>
+              <a:t>Brute-Force Approach</a:t>
             </a:r>
             <a:endParaRPr lang="en-US" sz="5400" dirty="0">
               <a:solidFill>
@@ -4505,10 +6428,96 @@
           </a:p>
         </p:txBody>
       </p:sp>
+      <p:sp>
+        <p:nvSpPr>
+          <p:cNvPr id="3" name="TextBox 2">
+            <a:extLst>
+              <a:ext uri="{FF2B5EF4-FFF2-40B4-BE49-F238E27FC236}">
+                <a16:creationId xmlns:a16="http://schemas.microsoft.com/office/drawing/2014/main" id="{566B4D32-D46D-F618-8C03-BC734798C472}"/>
+              </a:ext>
+            </a:extLst>
+          </p:cNvPr>
+          <p:cNvSpPr txBox="1"/>
+          <p:nvPr/>
+        </p:nvSpPr>
+        <p:spPr>
+          <a:xfrm>
+            <a:off x="0" y="2345860"/>
+            <a:ext cx="12192000" cy="3046988"/>
+          </a:xfrm>
+          <a:prstGeom prst="rect">
+            <a:avLst/>
+          </a:prstGeom>
+          <a:noFill/>
+        </p:spPr>
+        <p:txBody>
+          <a:bodyPr wrap="square" rtlCol="0">
+            <a:spAutoFit/>
+          </a:bodyPr>
+          <a:lstStyle/>
+          <a:p>
+            <a:pPr marL="1028700" lvl="1" indent="-571500">
+              <a:buFont typeface="Arial" panose="020B0604020202020204" pitchFamily="34" charset="0"/>
+              <a:buChar char="•"/>
+            </a:pPr>
+            <a:r>
+              <a:rPr lang="en-US" sz="3200" dirty="0">
+                <a:latin typeface="Candara" panose="020E0502030303020204" pitchFamily="34" charset="0"/>
+              </a:rPr>
+              <a:t>Generate a Permutation of Vertices</a:t>
+            </a:r>
+          </a:p>
+          <a:p>
+            <a:pPr marL="1028700" lvl="1" indent="-571500">
+              <a:buFont typeface="Arial" panose="020B0604020202020204" pitchFamily="34" charset="0"/>
+              <a:buChar char="•"/>
+            </a:pPr>
+            <a:r>
+              <a:rPr lang="en-US" sz="3200" dirty="0">
+                <a:latin typeface="Candara" panose="020E0502030303020204" pitchFamily="34" charset="0"/>
+              </a:rPr>
+              <a:t>Check If The Sequence Generated Above Is a Path in A Given Graph or not and that the last vertex is connected to the first.</a:t>
+            </a:r>
+          </a:p>
+          <a:p>
+            <a:pPr marL="1028700" lvl="1" indent="-571500">
+              <a:buFont typeface="Arial" panose="020B0604020202020204" pitchFamily="34" charset="0"/>
+              <a:buChar char="•"/>
+            </a:pPr>
+            <a:r>
+              <a:rPr lang="en-US" sz="3200" dirty="0">
+                <a:latin typeface="Candara" panose="020E0502030303020204" pitchFamily="34" charset="0"/>
+              </a:rPr>
+              <a:t>Return True If the above condition holds for any </a:t>
+            </a:r>
+            <a:r>
+              <a:rPr lang="en-US" sz="3200">
+                <a:latin typeface="Candara" panose="020E0502030303020204" pitchFamily="34" charset="0"/>
+              </a:rPr>
+              <a:t>one permutation.</a:t>
+            </a:r>
+            <a:endParaRPr lang="en-US" sz="3200" dirty="0">
+              <a:latin typeface="Candara" panose="020E0502030303020204" pitchFamily="34" charset="0"/>
+            </a:endParaRPr>
+          </a:p>
+          <a:p>
+            <a:pPr marL="1028700" lvl="1" indent="-571500">
+              <a:buFont typeface="Arial" panose="020B0604020202020204" pitchFamily="34" charset="0"/>
+              <a:buChar char="•"/>
+            </a:pPr>
+            <a:r>
+              <a:rPr lang="en-US" sz="3200" dirty="0">
+                <a:latin typeface="Candara" panose="020E0502030303020204" pitchFamily="34" charset="0"/>
+              </a:rPr>
+              <a:t>Else, Repeat the process until all permutations are processed</a:t>
+            </a:r>
+          </a:p>
+        </p:txBody>
+      </p:sp>
     </p:spTree>
     <p:extLst>
       <p:ext uri="{BB962C8B-B14F-4D97-AF65-F5344CB8AC3E}">
-        <p14:creationId xmlns:p14="http://schemas.microsoft.com/office/powerpoint/2010/main" val="1065833410"/>
+        <p14:creationId xmlns:p14="http://schemas.microsoft.com/office/powerpoint/2010/main" val="2432004922"/>
       </p:ext>
     </p:extLst>
   </p:cSld>
@@ -4636,7 +6645,7 @@
                 </a:solidFill>
                 <a:latin typeface="Assassin$" panose="02000000000000000000" pitchFamily="2" charset="0"/>
               </a:rPr>
-              <a:t>Dynamic Programming</a:t>
+              <a:t>Brute-Force Approach</a:t>
             </a:r>
             <a:endParaRPr lang="en-US" sz="5400" dirty="0">
               <a:solidFill>
@@ -4647,10 +6656,603 @@
           </a:p>
         </p:txBody>
       </p:sp>
+      <p:sp>
+        <p:nvSpPr>
+          <p:cNvPr id="4" name="Oval 3">
+            <a:extLst>
+              <a:ext uri="{FF2B5EF4-FFF2-40B4-BE49-F238E27FC236}">
+                <a16:creationId xmlns:a16="http://schemas.microsoft.com/office/drawing/2014/main" id="{D9243A58-A54E-3D48-12BE-260F0B100827}"/>
+              </a:ext>
+            </a:extLst>
+          </p:cNvPr>
+          <p:cNvSpPr/>
+          <p:nvPr/>
+        </p:nvSpPr>
+        <p:spPr>
+          <a:xfrm>
+            <a:off x="4533901" y="2743202"/>
+            <a:ext cx="914400" cy="914400"/>
+          </a:xfrm>
+          <a:prstGeom prst="ellipse">
+            <a:avLst/>
+          </a:prstGeom>
+          <a:noFill/>
+          <a:ln>
+            <a:solidFill>
+              <a:schemeClr val="tx1"/>
+            </a:solidFill>
+          </a:ln>
+        </p:spPr>
+        <p:style>
+          <a:lnRef idx="2">
+            <a:schemeClr val="accent1">
+              <a:shade val="50000"/>
+            </a:schemeClr>
+          </a:lnRef>
+          <a:fillRef idx="1">
+            <a:schemeClr val="accent1"/>
+          </a:fillRef>
+          <a:effectRef idx="0">
+            <a:schemeClr val="accent1"/>
+          </a:effectRef>
+          <a:fontRef idx="minor">
+            <a:schemeClr val="lt1"/>
+          </a:fontRef>
+        </p:style>
+        <p:txBody>
+          <a:bodyPr rtlCol="0" anchor="ctr"/>
+          <a:lstStyle/>
+          <a:p>
+            <a:pPr algn="ctr"/>
+            <a:r>
+              <a:rPr lang="en-US" sz="3600" dirty="0"/>
+              <a:t>1</a:t>
+            </a:r>
+            <a:endParaRPr lang="en-US" dirty="0"/>
+          </a:p>
+        </p:txBody>
+      </p:sp>
+      <p:sp>
+        <p:nvSpPr>
+          <p:cNvPr id="6" name="Oval 5">
+            <a:extLst>
+              <a:ext uri="{FF2B5EF4-FFF2-40B4-BE49-F238E27FC236}">
+                <a16:creationId xmlns:a16="http://schemas.microsoft.com/office/drawing/2014/main" id="{C1663266-A4A3-5525-AB0A-22AEAA2071A9}"/>
+              </a:ext>
+            </a:extLst>
+          </p:cNvPr>
+          <p:cNvSpPr/>
+          <p:nvPr/>
+        </p:nvSpPr>
+        <p:spPr>
+          <a:xfrm>
+            <a:off x="6467893" y="3988906"/>
+            <a:ext cx="914400" cy="914400"/>
+          </a:xfrm>
+          <a:prstGeom prst="ellipse">
+            <a:avLst/>
+          </a:prstGeom>
+          <a:noFill/>
+          <a:ln>
+            <a:solidFill>
+              <a:schemeClr val="tx1"/>
+            </a:solidFill>
+          </a:ln>
+        </p:spPr>
+        <p:style>
+          <a:lnRef idx="2">
+            <a:schemeClr val="accent1">
+              <a:shade val="50000"/>
+            </a:schemeClr>
+          </a:lnRef>
+          <a:fillRef idx="1">
+            <a:schemeClr val="accent1"/>
+          </a:fillRef>
+          <a:effectRef idx="0">
+            <a:schemeClr val="accent1"/>
+          </a:effectRef>
+          <a:fontRef idx="minor">
+            <a:schemeClr val="lt1"/>
+          </a:fontRef>
+        </p:style>
+        <p:txBody>
+          <a:bodyPr rtlCol="0" anchor="ctr"/>
+          <a:lstStyle/>
+          <a:p>
+            <a:pPr algn="ctr"/>
+            <a:r>
+              <a:rPr lang="en-US" sz="3600" dirty="0"/>
+              <a:t>2</a:t>
+            </a:r>
+            <a:endParaRPr lang="en-US" dirty="0"/>
+          </a:p>
+        </p:txBody>
+      </p:sp>
+      <p:sp>
+        <p:nvSpPr>
+          <p:cNvPr id="7" name="Oval 6">
+            <a:extLst>
+              <a:ext uri="{FF2B5EF4-FFF2-40B4-BE49-F238E27FC236}">
+                <a16:creationId xmlns:a16="http://schemas.microsoft.com/office/drawing/2014/main" id="{5CEB4358-A560-F930-877C-242089AA8852}"/>
+              </a:ext>
+            </a:extLst>
+          </p:cNvPr>
+          <p:cNvSpPr/>
+          <p:nvPr/>
+        </p:nvSpPr>
+        <p:spPr>
+          <a:xfrm>
+            <a:off x="7692887" y="1098068"/>
+            <a:ext cx="914400" cy="914400"/>
+          </a:xfrm>
+          <a:prstGeom prst="ellipse">
+            <a:avLst/>
+          </a:prstGeom>
+          <a:noFill/>
+          <a:ln>
+            <a:solidFill>
+              <a:schemeClr val="tx1"/>
+            </a:solidFill>
+          </a:ln>
+        </p:spPr>
+        <p:style>
+          <a:lnRef idx="2">
+            <a:schemeClr val="accent1">
+              <a:shade val="50000"/>
+            </a:schemeClr>
+          </a:lnRef>
+          <a:fillRef idx="1">
+            <a:schemeClr val="accent1"/>
+          </a:fillRef>
+          <a:effectRef idx="0">
+            <a:schemeClr val="accent1"/>
+          </a:effectRef>
+          <a:fontRef idx="minor">
+            <a:schemeClr val="lt1"/>
+          </a:fontRef>
+        </p:style>
+        <p:txBody>
+          <a:bodyPr rtlCol="0" anchor="ctr"/>
+          <a:lstStyle/>
+          <a:p>
+            <a:pPr algn="ctr"/>
+            <a:r>
+              <a:rPr lang="en-US" sz="3600" dirty="0"/>
+              <a:t>4</a:t>
+            </a:r>
+            <a:endParaRPr lang="en-US" dirty="0"/>
+          </a:p>
+        </p:txBody>
+      </p:sp>
+      <p:sp>
+        <p:nvSpPr>
+          <p:cNvPr id="8" name="Oval 7">
+            <a:extLst>
+              <a:ext uri="{FF2B5EF4-FFF2-40B4-BE49-F238E27FC236}">
+                <a16:creationId xmlns:a16="http://schemas.microsoft.com/office/drawing/2014/main" id="{E986763E-F39E-9649-96CA-D65EB19BF4F8}"/>
+              </a:ext>
+            </a:extLst>
+          </p:cNvPr>
+          <p:cNvSpPr/>
+          <p:nvPr/>
+        </p:nvSpPr>
+        <p:spPr>
+          <a:xfrm>
+            <a:off x="8917883" y="3988906"/>
+            <a:ext cx="914400" cy="914400"/>
+          </a:xfrm>
+          <a:prstGeom prst="ellipse">
+            <a:avLst/>
+          </a:prstGeom>
+          <a:noFill/>
+          <a:ln>
+            <a:solidFill>
+              <a:schemeClr val="tx1"/>
+            </a:solidFill>
+          </a:ln>
+        </p:spPr>
+        <p:style>
+          <a:lnRef idx="2">
+            <a:schemeClr val="accent1">
+              <a:shade val="50000"/>
+            </a:schemeClr>
+          </a:lnRef>
+          <a:fillRef idx="1">
+            <a:schemeClr val="accent1"/>
+          </a:fillRef>
+          <a:effectRef idx="0">
+            <a:schemeClr val="accent1"/>
+          </a:effectRef>
+          <a:fontRef idx="minor">
+            <a:schemeClr val="lt1"/>
+          </a:fontRef>
+        </p:style>
+        <p:txBody>
+          <a:bodyPr rtlCol="0" anchor="ctr"/>
+          <a:lstStyle/>
+          <a:p>
+            <a:pPr algn="ctr"/>
+            <a:r>
+              <a:rPr lang="en-US" sz="3600" dirty="0"/>
+              <a:t>3</a:t>
+            </a:r>
+            <a:endParaRPr lang="en-US" dirty="0"/>
+          </a:p>
+        </p:txBody>
+      </p:sp>
+      <p:sp>
+        <p:nvSpPr>
+          <p:cNvPr id="9" name="Oval 8">
+            <a:extLst>
+              <a:ext uri="{FF2B5EF4-FFF2-40B4-BE49-F238E27FC236}">
+                <a16:creationId xmlns:a16="http://schemas.microsoft.com/office/drawing/2014/main" id="{0FDEEDA8-B319-B48D-D8F0-C46A24E3FE8F}"/>
+              </a:ext>
+            </a:extLst>
+          </p:cNvPr>
+          <p:cNvSpPr/>
+          <p:nvPr/>
+        </p:nvSpPr>
+        <p:spPr>
+          <a:xfrm>
+            <a:off x="10851875" y="2743202"/>
+            <a:ext cx="914400" cy="914400"/>
+          </a:xfrm>
+          <a:prstGeom prst="ellipse">
+            <a:avLst/>
+          </a:prstGeom>
+          <a:noFill/>
+          <a:ln>
+            <a:solidFill>
+              <a:schemeClr val="tx1"/>
+            </a:solidFill>
+          </a:ln>
+        </p:spPr>
+        <p:style>
+          <a:lnRef idx="2">
+            <a:schemeClr val="accent1">
+              <a:shade val="50000"/>
+            </a:schemeClr>
+          </a:lnRef>
+          <a:fillRef idx="1">
+            <a:schemeClr val="accent1"/>
+          </a:fillRef>
+          <a:effectRef idx="0">
+            <a:schemeClr val="accent1"/>
+          </a:effectRef>
+          <a:fontRef idx="minor">
+            <a:schemeClr val="lt1"/>
+          </a:fontRef>
+        </p:style>
+        <p:txBody>
+          <a:bodyPr rtlCol="0" anchor="ctr"/>
+          <a:lstStyle/>
+          <a:p>
+            <a:pPr algn="ctr"/>
+            <a:r>
+              <a:rPr lang="en-US" sz="3600" dirty="0"/>
+              <a:t>5</a:t>
+            </a:r>
+            <a:endParaRPr lang="en-US" dirty="0"/>
+          </a:p>
+        </p:txBody>
+      </p:sp>
+      <p:cxnSp>
+        <p:nvCxnSpPr>
+          <p:cNvPr id="10" name="Straight Connector 9">
+            <a:extLst>
+              <a:ext uri="{FF2B5EF4-FFF2-40B4-BE49-F238E27FC236}">
+                <a16:creationId xmlns:a16="http://schemas.microsoft.com/office/drawing/2014/main" id="{393B4AC7-3A0C-3F1F-A32D-DF8C3CD0FF73}"/>
+              </a:ext>
+            </a:extLst>
+          </p:cNvPr>
+          <p:cNvCxnSpPr>
+            <a:cxnSpLocks/>
+            <a:stCxn id="4" idx="7"/>
+            <a:endCxn id="7" idx="2"/>
+          </p:cNvCxnSpPr>
+          <p:nvPr/>
+        </p:nvCxnSpPr>
+        <p:spPr>
+          <a:xfrm flipV="1">
+            <a:off x="5314390" y="1555268"/>
+            <a:ext cx="2378497" cy="1321845"/>
+          </a:xfrm>
+          <a:prstGeom prst="line">
+            <a:avLst/>
+          </a:prstGeom>
+          <a:ln>
+            <a:solidFill>
+              <a:schemeClr val="tx1"/>
+            </a:solidFill>
+          </a:ln>
+        </p:spPr>
+        <p:style>
+          <a:lnRef idx="1">
+            <a:schemeClr val="accent1"/>
+          </a:lnRef>
+          <a:fillRef idx="0">
+            <a:schemeClr val="accent1"/>
+          </a:fillRef>
+          <a:effectRef idx="0">
+            <a:schemeClr val="accent1"/>
+          </a:effectRef>
+          <a:fontRef idx="minor">
+            <a:schemeClr val="tx1"/>
+          </a:fontRef>
+        </p:style>
+      </p:cxnSp>
+      <p:cxnSp>
+        <p:nvCxnSpPr>
+          <p:cNvPr id="11" name="Straight Connector 10">
+            <a:extLst>
+              <a:ext uri="{FF2B5EF4-FFF2-40B4-BE49-F238E27FC236}">
+                <a16:creationId xmlns:a16="http://schemas.microsoft.com/office/drawing/2014/main" id="{C92E5853-87E9-EF1B-1906-EB1B7B57A078}"/>
+              </a:ext>
+            </a:extLst>
+          </p:cNvPr>
+          <p:cNvCxnSpPr>
+            <a:cxnSpLocks/>
+            <a:stCxn id="7" idx="6"/>
+            <a:endCxn id="9" idx="1"/>
+          </p:cNvCxnSpPr>
+          <p:nvPr/>
+        </p:nvCxnSpPr>
+        <p:spPr>
+          <a:xfrm>
+            <a:off x="8607287" y="1555268"/>
+            <a:ext cx="2378499" cy="1321845"/>
+          </a:xfrm>
+          <a:prstGeom prst="line">
+            <a:avLst/>
+          </a:prstGeom>
+          <a:ln>
+            <a:solidFill>
+              <a:schemeClr val="tx1"/>
+            </a:solidFill>
+          </a:ln>
+        </p:spPr>
+        <p:style>
+          <a:lnRef idx="1">
+            <a:schemeClr val="accent1"/>
+          </a:lnRef>
+          <a:fillRef idx="0">
+            <a:schemeClr val="accent1"/>
+          </a:fillRef>
+          <a:effectRef idx="0">
+            <a:schemeClr val="accent1"/>
+          </a:effectRef>
+          <a:fontRef idx="minor">
+            <a:schemeClr val="tx1"/>
+          </a:fontRef>
+        </p:style>
+      </p:cxnSp>
+      <p:cxnSp>
+        <p:nvCxnSpPr>
+          <p:cNvPr id="12" name="Straight Connector 11">
+            <a:extLst>
+              <a:ext uri="{FF2B5EF4-FFF2-40B4-BE49-F238E27FC236}">
+                <a16:creationId xmlns:a16="http://schemas.microsoft.com/office/drawing/2014/main" id="{444AB9E8-3D63-68A8-C27B-7EF56BA4CF20}"/>
+              </a:ext>
+            </a:extLst>
+          </p:cNvPr>
+          <p:cNvCxnSpPr>
+            <a:cxnSpLocks/>
+            <a:stCxn id="6" idx="2"/>
+            <a:endCxn id="4" idx="5"/>
+          </p:cNvCxnSpPr>
+          <p:nvPr/>
+        </p:nvCxnSpPr>
+        <p:spPr>
+          <a:xfrm flipH="1" flipV="1">
+            <a:off x="5314390" y="3523691"/>
+            <a:ext cx="1153503" cy="922415"/>
+          </a:xfrm>
+          <a:prstGeom prst="line">
+            <a:avLst/>
+          </a:prstGeom>
+          <a:ln>
+            <a:solidFill>
+              <a:schemeClr val="tx1"/>
+            </a:solidFill>
+          </a:ln>
+        </p:spPr>
+        <p:style>
+          <a:lnRef idx="1">
+            <a:schemeClr val="accent1"/>
+          </a:lnRef>
+          <a:fillRef idx="0">
+            <a:schemeClr val="accent1"/>
+          </a:fillRef>
+          <a:effectRef idx="0">
+            <a:schemeClr val="accent1"/>
+          </a:effectRef>
+          <a:fontRef idx="minor">
+            <a:schemeClr val="tx1"/>
+          </a:fontRef>
+        </p:style>
+      </p:cxnSp>
+      <p:cxnSp>
+        <p:nvCxnSpPr>
+          <p:cNvPr id="13" name="Straight Connector 12">
+            <a:extLst>
+              <a:ext uri="{FF2B5EF4-FFF2-40B4-BE49-F238E27FC236}">
+                <a16:creationId xmlns:a16="http://schemas.microsoft.com/office/drawing/2014/main" id="{EAA9F6E7-90DF-1740-481D-AFA79607C123}"/>
+              </a:ext>
+            </a:extLst>
+          </p:cNvPr>
+          <p:cNvCxnSpPr>
+            <a:cxnSpLocks/>
+            <a:stCxn id="8" idx="6"/>
+            <a:endCxn id="9" idx="3"/>
+          </p:cNvCxnSpPr>
+          <p:nvPr/>
+        </p:nvCxnSpPr>
+        <p:spPr>
+          <a:xfrm flipV="1">
+            <a:off x="9832283" y="3523691"/>
+            <a:ext cx="1153503" cy="922415"/>
+          </a:xfrm>
+          <a:prstGeom prst="line">
+            <a:avLst/>
+          </a:prstGeom>
+          <a:ln>
+            <a:solidFill>
+              <a:schemeClr val="tx1"/>
+            </a:solidFill>
+          </a:ln>
+        </p:spPr>
+        <p:style>
+          <a:lnRef idx="1">
+            <a:schemeClr val="accent1"/>
+          </a:lnRef>
+          <a:fillRef idx="0">
+            <a:schemeClr val="accent1"/>
+          </a:fillRef>
+          <a:effectRef idx="0">
+            <a:schemeClr val="accent1"/>
+          </a:effectRef>
+          <a:fontRef idx="minor">
+            <a:schemeClr val="tx1"/>
+          </a:fontRef>
+        </p:style>
+      </p:cxnSp>
+      <p:cxnSp>
+        <p:nvCxnSpPr>
+          <p:cNvPr id="14" name="Straight Connector 13">
+            <a:extLst>
+              <a:ext uri="{FF2B5EF4-FFF2-40B4-BE49-F238E27FC236}">
+                <a16:creationId xmlns:a16="http://schemas.microsoft.com/office/drawing/2014/main" id="{CA55980D-8AB0-4CA6-C606-D7E36F06E685}"/>
+              </a:ext>
+            </a:extLst>
+          </p:cNvPr>
+          <p:cNvCxnSpPr>
+            <a:cxnSpLocks/>
+          </p:cNvCxnSpPr>
+          <p:nvPr/>
+        </p:nvCxnSpPr>
+        <p:spPr>
+          <a:xfrm>
+            <a:off x="7382293" y="4538871"/>
+            <a:ext cx="1535590" cy="0"/>
+          </a:xfrm>
+          <a:prstGeom prst="line">
+            <a:avLst/>
+          </a:prstGeom>
+          <a:ln>
+            <a:solidFill>
+              <a:schemeClr val="tx1"/>
+            </a:solidFill>
+          </a:ln>
+        </p:spPr>
+        <p:style>
+          <a:lnRef idx="1">
+            <a:schemeClr val="accent1"/>
+          </a:lnRef>
+          <a:fillRef idx="0">
+            <a:schemeClr val="accent1"/>
+          </a:fillRef>
+          <a:effectRef idx="0">
+            <a:schemeClr val="accent1"/>
+          </a:effectRef>
+          <a:fontRef idx="minor">
+            <a:schemeClr val="tx1"/>
+          </a:fontRef>
+        </p:style>
+      </p:cxnSp>
+      <p:cxnSp>
+        <p:nvCxnSpPr>
+          <p:cNvPr id="15" name="Straight Connector 14">
+            <a:extLst>
+              <a:ext uri="{FF2B5EF4-FFF2-40B4-BE49-F238E27FC236}">
+                <a16:creationId xmlns:a16="http://schemas.microsoft.com/office/drawing/2014/main" id="{A070F151-204B-C096-8664-05E83E526D07}"/>
+              </a:ext>
+            </a:extLst>
+          </p:cNvPr>
+          <p:cNvCxnSpPr>
+            <a:cxnSpLocks/>
+            <a:stCxn id="6" idx="0"/>
+            <a:endCxn id="7" idx="3"/>
+          </p:cNvCxnSpPr>
+          <p:nvPr/>
+        </p:nvCxnSpPr>
+        <p:spPr>
+          <a:xfrm flipV="1">
+            <a:off x="6925093" y="1878557"/>
+            <a:ext cx="901705" cy="2110349"/>
+          </a:xfrm>
+          <a:prstGeom prst="line">
+            <a:avLst/>
+          </a:prstGeom>
+          <a:ln>
+            <a:solidFill>
+              <a:schemeClr val="tx1"/>
+            </a:solidFill>
+          </a:ln>
+        </p:spPr>
+        <p:style>
+          <a:lnRef idx="1">
+            <a:schemeClr val="accent1"/>
+          </a:lnRef>
+          <a:fillRef idx="0">
+            <a:schemeClr val="accent1"/>
+          </a:fillRef>
+          <a:effectRef idx="0">
+            <a:schemeClr val="accent1"/>
+          </a:effectRef>
+          <a:fontRef idx="minor">
+            <a:schemeClr val="tx1"/>
+          </a:fontRef>
+        </p:style>
+      </p:cxnSp>
+      <p:cxnSp>
+        <p:nvCxnSpPr>
+          <p:cNvPr id="16" name="Straight Connector 15">
+            <a:extLst>
+              <a:ext uri="{FF2B5EF4-FFF2-40B4-BE49-F238E27FC236}">
+                <a16:creationId xmlns:a16="http://schemas.microsoft.com/office/drawing/2014/main" id="{51483C4F-05CE-C369-F3E8-677818AF767F}"/>
+              </a:ext>
+            </a:extLst>
+          </p:cNvPr>
+          <p:cNvCxnSpPr>
+            <a:cxnSpLocks/>
+            <a:stCxn id="8" idx="0"/>
+            <a:endCxn id="7" idx="5"/>
+          </p:cNvCxnSpPr>
+          <p:nvPr/>
+        </p:nvCxnSpPr>
+        <p:spPr>
+          <a:xfrm flipH="1" flipV="1">
+            <a:off x="8473376" y="1878557"/>
+            <a:ext cx="901707" cy="2110349"/>
+          </a:xfrm>
+          <a:prstGeom prst="line">
+            <a:avLst/>
+          </a:prstGeom>
+          <a:ln>
+            <a:solidFill>
+              <a:schemeClr val="tx1"/>
+            </a:solidFill>
+          </a:ln>
+        </p:spPr>
+        <p:style>
+          <a:lnRef idx="1">
+            <a:schemeClr val="accent1"/>
+          </a:lnRef>
+          <a:fillRef idx="0">
+            <a:schemeClr val="accent1"/>
+          </a:fillRef>
+          <a:effectRef idx="0">
+            <a:schemeClr val="accent1"/>
+          </a:effectRef>
+          <a:fontRef idx="minor">
+            <a:schemeClr val="tx1"/>
+          </a:fontRef>
+        </p:style>
+      </p:cxnSp>
     </p:spTree>
     <p:extLst>
       <p:ext uri="{BB962C8B-B14F-4D97-AF65-F5344CB8AC3E}">
-        <p14:creationId xmlns:p14="http://schemas.microsoft.com/office/powerpoint/2010/main" val="511662866"/>
+        <p14:creationId xmlns:p14="http://schemas.microsoft.com/office/powerpoint/2010/main" val="4122253248"/>
       </p:ext>
     </p:extLst>
   </p:cSld>
@@ -4778,7 +7380,7 @@
                 </a:solidFill>
                 <a:latin typeface="Assassin$" panose="02000000000000000000" pitchFamily="2" charset="0"/>
               </a:rPr>
-              <a:t>Heuristic Approach</a:t>
+              <a:t>Back Tracking Approach</a:t>
             </a:r>
             <a:endParaRPr lang="en-US" sz="5400" dirty="0">
               <a:solidFill>
@@ -4792,7 +7394,7 @@
     </p:spTree>
     <p:extLst>
       <p:ext uri="{BB962C8B-B14F-4D97-AF65-F5344CB8AC3E}">
-        <p14:creationId xmlns:p14="http://schemas.microsoft.com/office/powerpoint/2010/main" val="2943498005"/>
+        <p14:creationId xmlns:p14="http://schemas.microsoft.com/office/powerpoint/2010/main" val="1065833410"/>
       </p:ext>
     </p:extLst>
   </p:cSld>
@@ -4920,25 +7522,7 @@
                 </a:solidFill>
                 <a:latin typeface="Assassin$" panose="02000000000000000000" pitchFamily="2" charset="0"/>
               </a:rPr>
-              <a:t>Comparison B</a:t>
-            </a:r>
-            <a:r>
-              <a:rPr lang="en-US" sz="4800" b="1" dirty="0">
-                <a:solidFill>
-                  <a:srgbClr val="FF0066"/>
-                </a:solidFill>
-                <a:latin typeface="Algerian" panose="04020705040A02060702" pitchFamily="82" charset="0"/>
-              </a:rPr>
-              <a:t>/</a:t>
-            </a:r>
-            <a:r>
-              <a:rPr lang="en-US" sz="4800" b="1" dirty="0">
-                <a:solidFill>
-                  <a:srgbClr val="FF0066"/>
-                </a:solidFill>
-                <a:latin typeface="Assassin$" panose="02000000000000000000" pitchFamily="2" charset="0"/>
-              </a:rPr>
-              <a:t>W Explored Algorithms</a:t>
+              <a:t>Dynamic Programming</a:t>
             </a:r>
             <a:endParaRPr lang="en-US" sz="5400" dirty="0">
               <a:solidFill>
@@ -4952,7 +7536,7 @@
     </p:spTree>
     <p:extLst>
       <p:ext uri="{BB962C8B-B14F-4D97-AF65-F5344CB8AC3E}">
-        <p14:creationId xmlns:p14="http://schemas.microsoft.com/office/powerpoint/2010/main" val="3600372778"/>
+        <p14:creationId xmlns:p14="http://schemas.microsoft.com/office/powerpoint/2010/main" val="511662866"/>
       </p:ext>
     </p:extLst>
   </p:cSld>
